--- a/powerpoints/tidyr.pptx
+++ b/powerpoints/tidyr.pptx
@@ -311,6 +311,11 @@
       </a:defRPr>
     </a:lvl9pPr>
   </p:defaultTextStyle>
+  <p:extLst>
+    <p:ext uri="{EFAFB233-063F-42B5-8137-9DF3F51BA10A}">
+      <p15:sldGuideLst xmlns:p15="http://schemas.microsoft.com/office/powerpoint/2012/main"/>
+    </p:ext>
+  </p:extLst>
 </p:presentation>
 </file>
 
@@ -2287,7 +2292,7 @@
           </a:ln>
           <a:extLst>
             <a:ext uri="{C572A759-6A51-4108-AA02-DFA0A04FC94B}">
-              <ma14:wrappingTextBoxFlag xmlns:ma14="http://schemas.microsoft.com/office/mac/drawingml/2011/main" xmlns:a14="http://schemas.microsoft.com/office/drawing/2010/main" xmlns:m="http://schemas.openxmlformats.org/officeDocument/2006/math" xmlns="" val="1"/>
+              <ma14:wrappingTextBoxFlag xmlns="" xmlns:m="http://schemas.openxmlformats.org/officeDocument/2006/math" xmlns:a14="http://schemas.microsoft.com/office/drawing/2010/main" xmlns:ma14="http://schemas.microsoft.com/office/mac/drawingml/2011/main" val="1"/>
             </a:ext>
           </a:extLst>
         </p:spPr>
@@ -2326,7 +2331,7 @@
           </a:ln>
           <a:extLst>
             <a:ext uri="{C572A759-6A51-4108-AA02-DFA0A04FC94B}">
-              <ma14:wrappingTextBoxFlag xmlns:ma14="http://schemas.microsoft.com/office/mac/drawingml/2011/main" xmlns:a14="http://schemas.microsoft.com/office/drawing/2010/main" xmlns:m="http://schemas.openxmlformats.org/officeDocument/2006/math" xmlns="" val="1"/>
+              <ma14:wrappingTextBoxFlag xmlns="" xmlns:m="http://schemas.openxmlformats.org/officeDocument/2006/math" xmlns:a14="http://schemas.microsoft.com/office/drawing/2010/main" xmlns:ma14="http://schemas.microsoft.com/office/mac/drawingml/2011/main" val="1"/>
             </a:ext>
           </a:extLst>
         </p:spPr>
@@ -4732,7 +4737,7 @@
           </a:ln>
           <a:extLst>
             <a:ext uri="{C572A759-6A51-4108-AA02-DFA0A04FC94B}">
-              <ma14:wrappingTextBoxFlag xmlns:ma14="http://schemas.microsoft.com/office/mac/drawingml/2011/main" xmlns:a14="http://schemas.microsoft.com/office/drawing/2010/main" xmlns:m="http://schemas.openxmlformats.org/officeDocument/2006/math" xmlns="" val="1"/>
+              <ma14:wrappingTextBoxFlag xmlns="" xmlns:m="http://schemas.openxmlformats.org/officeDocument/2006/math" xmlns:a14="http://schemas.microsoft.com/office/drawing/2010/main" xmlns:ma14="http://schemas.microsoft.com/office/mac/drawingml/2011/main" val="1"/>
             </a:ext>
           </a:extLst>
         </p:spPr>
@@ -4865,10 +4870,27 @@
           <a:lstStyle/>
           <a:p>
             <a:r>
-              <a:t>Tidy Data with tidyr : : </a:t>
+              <a:rPr dirty="0"/>
+              <a:t>Tidy </a:t>
             </a:r>
             <a:r>
-              <a:rPr sz="3300" b="1">
+              <a:rPr lang="en-US" dirty="0"/>
+              <a:t>d</a:t>
+            </a:r>
+            <a:r>
+              <a:rPr dirty="0"/>
+              <a:t>ata with </a:t>
+            </a:r>
+            <a:r>
+              <a:rPr dirty="0" err="1"/>
+              <a:t>tidyr</a:t>
+            </a:r>
+            <a:r>
+              <a:rPr dirty="0"/>
+              <a:t> : : </a:t>
+            </a:r>
+            <a:r>
+              <a:rPr sz="3300" b="1" dirty="0">
                 <a:latin typeface="SourceSansPro-SemiBold"/>
                 <a:ea typeface="SourceSansPro-SemiBold"/>
                 <a:cs typeface="SourceSansPro-SemiBold"/>
@@ -4877,6 +4899,7 @@
               <a:t>CHEAT SHEET</a:t>
             </a:r>
             <a:r>
+              <a:rPr dirty="0"/>
               <a:t> </a:t>
             </a:r>
           </a:p>
@@ -4901,7 +4924,7 @@
           </a:ln>
           <a:extLst>
             <a:ext uri="{C572A759-6A51-4108-AA02-DFA0A04FC94B}">
-              <ma14:wrappingTextBoxFlag xmlns:ma14="http://schemas.microsoft.com/office/mac/drawingml/2011/main" xmlns:a14="http://schemas.microsoft.com/office/drawing/2010/main" xmlns:m="http://schemas.openxmlformats.org/officeDocument/2006/math" xmlns="" val="1"/>
+              <ma14:wrappingTextBoxFlag xmlns="" xmlns:m="http://schemas.openxmlformats.org/officeDocument/2006/math" xmlns:a14="http://schemas.microsoft.com/office/drawing/2010/main" xmlns:ma14="http://schemas.microsoft.com/office/mac/drawingml/2011/main" val="1"/>
             </a:ext>
           </a:extLst>
         </p:spPr>
@@ -4951,7 +4974,7 @@
           </a:ln>
           <a:extLst>
             <a:ext uri="{C572A759-6A51-4108-AA02-DFA0A04FC94B}">
-              <ma14:wrappingTextBoxFlag xmlns:ma14="http://schemas.microsoft.com/office/mac/drawingml/2011/main" xmlns:a14="http://schemas.microsoft.com/office/drawing/2010/main" xmlns:m="http://schemas.openxmlformats.org/officeDocument/2006/math" xmlns="" val="1"/>
+              <ma14:wrappingTextBoxFlag xmlns="" xmlns:m="http://schemas.openxmlformats.org/officeDocument/2006/math" xmlns:a14="http://schemas.microsoft.com/office/drawing/2010/main" xmlns:ma14="http://schemas.microsoft.com/office/mac/drawingml/2011/main" val="1"/>
             </a:ext>
           </a:extLst>
         </p:spPr>
@@ -5040,7 +5063,7 @@
           </a:ln>
           <a:extLst>
             <a:ext uri="{C572A759-6A51-4108-AA02-DFA0A04FC94B}">
-              <ma14:wrappingTextBoxFlag xmlns:ma14="http://schemas.microsoft.com/office/mac/drawingml/2011/main" xmlns:a14="http://schemas.microsoft.com/office/drawing/2010/main" xmlns:m="http://schemas.openxmlformats.org/officeDocument/2006/math" xmlns="" val="1"/>
+              <ma14:wrappingTextBoxFlag xmlns="" xmlns:m="http://schemas.openxmlformats.org/officeDocument/2006/math" xmlns:a14="http://schemas.microsoft.com/office/drawing/2010/main" xmlns:ma14="http://schemas.microsoft.com/office/mac/drawingml/2011/main" val="1"/>
             </a:ext>
           </a:extLst>
         </p:spPr>
@@ -5106,7 +5129,7 @@
           </a:ln>
           <a:extLst>
             <a:ext uri="{C572A759-6A51-4108-AA02-DFA0A04FC94B}">
-              <ma14:wrappingTextBoxFlag xmlns:ma14="http://schemas.microsoft.com/office/mac/drawingml/2011/main" xmlns:a14="http://schemas.microsoft.com/office/drawing/2010/main" xmlns:m="http://schemas.openxmlformats.org/officeDocument/2006/math" xmlns="" val="1"/>
+              <ma14:wrappingTextBoxFlag xmlns="" xmlns:m="http://schemas.openxmlformats.org/officeDocument/2006/math" xmlns:a14="http://schemas.microsoft.com/office/drawing/2010/main" xmlns:ma14="http://schemas.microsoft.com/office/mac/drawingml/2011/main" val="1"/>
             </a:ext>
           </a:extLst>
         </p:spPr>
@@ -5181,7 +5204,7 @@
           </a:ln>
           <a:extLst>
             <a:ext uri="{C572A759-6A51-4108-AA02-DFA0A04FC94B}">
-              <ma14:wrappingTextBoxFlag xmlns:ma14="http://schemas.microsoft.com/office/mac/drawingml/2011/main" xmlns:a14="http://schemas.microsoft.com/office/drawing/2010/main" xmlns:m="http://schemas.openxmlformats.org/officeDocument/2006/math" xmlns="" val="1"/>
+              <ma14:wrappingTextBoxFlag xmlns="" xmlns:m="http://schemas.openxmlformats.org/officeDocument/2006/math" xmlns:a14="http://schemas.microsoft.com/office/drawing/2010/main" xmlns:ma14="http://schemas.microsoft.com/office/mac/drawingml/2011/main" val="1"/>
             </a:ext>
           </a:extLst>
         </p:spPr>
@@ -5247,7 +5270,7 @@
           </a:ln>
           <a:extLst>
             <a:ext uri="{C572A759-6A51-4108-AA02-DFA0A04FC94B}">
-              <ma14:wrappingTextBoxFlag xmlns:ma14="http://schemas.microsoft.com/office/mac/drawingml/2011/main" xmlns:a14="http://schemas.microsoft.com/office/drawing/2010/main" xmlns:m="http://schemas.openxmlformats.org/officeDocument/2006/math" xmlns="" val="1"/>
+              <ma14:wrappingTextBoxFlag xmlns="" xmlns:m="http://schemas.openxmlformats.org/officeDocument/2006/math" xmlns:a14="http://schemas.microsoft.com/office/drawing/2010/main" xmlns:ma14="http://schemas.microsoft.com/office/mac/drawingml/2011/main" val="1"/>
             </a:ext>
           </a:extLst>
         </p:spPr>
@@ -5327,7 +5350,7 @@
             <a:effectLst/>
             <a:extLst>
               <a:ext uri="{C572A759-6A51-4108-AA02-DFA0A04FC94B}">
-                <ma14:wrappingTextBoxFlag xmlns:ma14="http://schemas.microsoft.com/office/mac/drawingml/2011/main" xmlns:a14="http://schemas.microsoft.com/office/drawing/2010/main" xmlns:m="http://schemas.openxmlformats.org/officeDocument/2006/math" xmlns="" val="1"/>
+                <ma14:wrappingTextBoxFlag xmlns="" xmlns:m="http://schemas.openxmlformats.org/officeDocument/2006/math" xmlns:a14="http://schemas.microsoft.com/office/drawing/2010/main" xmlns:ma14="http://schemas.microsoft.com/office/mac/drawingml/2011/main" val="1"/>
               </a:ext>
             </a:extLst>
           </p:spPr>
@@ -5674,7 +5697,7 @@
           </a:ln>
           <a:extLst>
             <a:ext uri="{C572A759-6A51-4108-AA02-DFA0A04FC94B}">
-              <ma14:wrappingTextBoxFlag xmlns:ma14="http://schemas.microsoft.com/office/mac/drawingml/2011/main" xmlns:a14="http://schemas.microsoft.com/office/drawing/2010/main" xmlns:m="http://schemas.openxmlformats.org/officeDocument/2006/math" xmlns="" val="1"/>
+              <ma14:wrappingTextBoxFlag xmlns="" xmlns:m="http://schemas.openxmlformats.org/officeDocument/2006/math" xmlns:a14="http://schemas.microsoft.com/office/drawing/2010/main" xmlns:ma14="http://schemas.microsoft.com/office/mac/drawingml/2011/main" val="1"/>
             </a:ext>
           </a:extLst>
         </p:spPr>
@@ -5726,7 +5749,7 @@
           </a:ln>
           <a:extLst>
             <a:ext uri="{C572A759-6A51-4108-AA02-DFA0A04FC94B}">
-              <ma14:wrappingTextBoxFlag xmlns:ma14="http://schemas.microsoft.com/office/mac/drawingml/2011/main" xmlns:a14="http://schemas.microsoft.com/office/drawing/2010/main" xmlns:m="http://schemas.openxmlformats.org/officeDocument/2006/math" xmlns="" val="1"/>
+              <ma14:wrappingTextBoxFlag xmlns="" xmlns:m="http://schemas.openxmlformats.org/officeDocument/2006/math" xmlns:a14="http://schemas.microsoft.com/office/drawing/2010/main" xmlns:ma14="http://schemas.microsoft.com/office/mac/drawingml/2011/main" val="1"/>
             </a:ext>
           </a:extLst>
         </p:spPr>
@@ -5906,7 +5929,7 @@
           </a:ln>
           <a:extLst>
             <a:ext uri="{C572A759-6A51-4108-AA02-DFA0A04FC94B}">
-              <ma14:wrappingTextBoxFlag xmlns:ma14="http://schemas.microsoft.com/office/mac/drawingml/2011/main" xmlns:a14="http://schemas.microsoft.com/office/drawing/2010/main" xmlns:m="http://schemas.openxmlformats.org/officeDocument/2006/math" xmlns="" val="1"/>
+              <ma14:wrappingTextBoxFlag xmlns="" xmlns:m="http://schemas.openxmlformats.org/officeDocument/2006/math" xmlns:a14="http://schemas.microsoft.com/office/drawing/2010/main" xmlns:ma14="http://schemas.microsoft.com/office/mac/drawingml/2011/main" val="1"/>
             </a:ext>
           </a:extLst>
         </p:spPr>
@@ -6135,7 +6158,7 @@
           </a:ln>
           <a:extLst>
             <a:ext uri="{C572A759-6A51-4108-AA02-DFA0A04FC94B}">
-              <ma14:wrappingTextBoxFlag xmlns:ma14="http://schemas.microsoft.com/office/mac/drawingml/2011/main" xmlns:a14="http://schemas.microsoft.com/office/drawing/2010/main" xmlns:m="http://schemas.openxmlformats.org/officeDocument/2006/math" xmlns="" val="1"/>
+              <ma14:wrappingTextBoxFlag xmlns="" xmlns:m="http://schemas.openxmlformats.org/officeDocument/2006/math" xmlns:a14="http://schemas.microsoft.com/office/drawing/2010/main" xmlns:ma14="http://schemas.microsoft.com/office/mac/drawingml/2011/main" val="1"/>
             </a:ext>
           </a:extLst>
         </p:spPr>
@@ -6182,7 +6205,7 @@
           </a:ln>
           <a:extLst>
             <a:ext uri="{C572A759-6A51-4108-AA02-DFA0A04FC94B}">
-              <ma14:wrappingTextBoxFlag xmlns:ma14="http://schemas.microsoft.com/office/mac/drawingml/2011/main" xmlns:a14="http://schemas.microsoft.com/office/drawing/2010/main" xmlns:m="http://schemas.openxmlformats.org/officeDocument/2006/math" xmlns="" val="1"/>
+              <ma14:wrappingTextBoxFlag xmlns="" xmlns:m="http://schemas.openxmlformats.org/officeDocument/2006/math" xmlns:a14="http://schemas.microsoft.com/office/drawing/2010/main" xmlns:ma14="http://schemas.microsoft.com/office/mac/drawingml/2011/main" val="1"/>
             </a:ext>
           </a:extLst>
         </p:spPr>
@@ -6266,7 +6289,7 @@
           </a:ln>
           <a:extLst>
             <a:ext uri="{C572A759-6A51-4108-AA02-DFA0A04FC94B}">
-              <ma14:wrappingTextBoxFlag xmlns:ma14="http://schemas.microsoft.com/office/mac/drawingml/2011/main" xmlns:a14="http://schemas.microsoft.com/office/drawing/2010/main" xmlns:m="http://schemas.openxmlformats.org/officeDocument/2006/math" xmlns="" val="1"/>
+              <ma14:wrappingTextBoxFlag xmlns="" xmlns:m="http://schemas.openxmlformats.org/officeDocument/2006/math" xmlns:a14="http://schemas.microsoft.com/office/drawing/2010/main" xmlns:ma14="http://schemas.microsoft.com/office/mac/drawingml/2011/main" val="1"/>
             </a:ext>
           </a:extLst>
         </p:spPr>
@@ -6433,7 +6456,7 @@
           </a:ln>
           <a:extLst>
             <a:ext uri="{C572A759-6A51-4108-AA02-DFA0A04FC94B}">
-              <ma14:wrappingTextBoxFlag xmlns:ma14="http://schemas.microsoft.com/office/mac/drawingml/2011/main" xmlns:a14="http://schemas.microsoft.com/office/drawing/2010/main" xmlns:m="http://schemas.openxmlformats.org/officeDocument/2006/math" xmlns="" val="1"/>
+              <ma14:wrappingTextBoxFlag xmlns="" xmlns:m="http://schemas.openxmlformats.org/officeDocument/2006/math" xmlns:a14="http://schemas.microsoft.com/office/drawing/2010/main" xmlns:ma14="http://schemas.microsoft.com/office/mac/drawingml/2011/main" val="1"/>
             </a:ext>
           </a:extLst>
         </p:spPr>
@@ -6469,7 +6492,7 @@
           </a:ln>
           <a:extLst>
             <a:ext uri="{C572A759-6A51-4108-AA02-DFA0A04FC94B}">
-              <ma14:wrappingTextBoxFlag xmlns:ma14="http://schemas.microsoft.com/office/mac/drawingml/2011/main" xmlns:a14="http://schemas.microsoft.com/office/drawing/2010/main" xmlns:m="http://schemas.openxmlformats.org/officeDocument/2006/math" xmlns="" val="1"/>
+              <ma14:wrappingTextBoxFlag xmlns="" xmlns:m="http://schemas.openxmlformats.org/officeDocument/2006/math" xmlns:a14="http://schemas.microsoft.com/office/drawing/2010/main" xmlns:ma14="http://schemas.microsoft.com/office/mac/drawingml/2011/main" val="1"/>
             </a:ext>
           </a:extLst>
         </p:spPr>
@@ -6638,7 +6661,7 @@
           </a:ln>
           <a:extLst>
             <a:ext uri="{C572A759-6A51-4108-AA02-DFA0A04FC94B}">
-              <ma14:wrappingTextBoxFlag xmlns:ma14="http://schemas.microsoft.com/office/mac/drawingml/2011/main" xmlns:a14="http://schemas.microsoft.com/office/drawing/2010/main" xmlns:m="http://schemas.openxmlformats.org/officeDocument/2006/math" xmlns="" val="1"/>
+              <ma14:wrappingTextBoxFlag xmlns="" xmlns:m="http://schemas.openxmlformats.org/officeDocument/2006/math" xmlns:a14="http://schemas.microsoft.com/office/drawing/2010/main" xmlns:ma14="http://schemas.microsoft.com/office/mac/drawingml/2011/main" val="1"/>
             </a:ext>
           </a:extLst>
         </p:spPr>
@@ -6831,7 +6854,7 @@
           </a:ln>
           <a:extLst>
             <a:ext uri="{C572A759-6A51-4108-AA02-DFA0A04FC94B}">
-              <ma14:wrappingTextBoxFlag xmlns:ma14="http://schemas.microsoft.com/office/mac/drawingml/2011/main" xmlns:a14="http://schemas.microsoft.com/office/drawing/2010/main" xmlns:m="http://schemas.openxmlformats.org/officeDocument/2006/math" xmlns="" val="1"/>
+              <ma14:wrappingTextBoxFlag xmlns="" xmlns:m="http://schemas.openxmlformats.org/officeDocument/2006/math" xmlns:a14="http://schemas.microsoft.com/office/drawing/2010/main" xmlns:ma14="http://schemas.microsoft.com/office/mac/drawingml/2011/main" val="1"/>
             </a:ext>
           </a:extLst>
         </p:spPr>
@@ -6883,7 +6906,7 @@
           </a:ln>
           <a:extLst>
             <a:ext uri="{C572A759-6A51-4108-AA02-DFA0A04FC94B}">
-              <ma14:wrappingTextBoxFlag xmlns:ma14="http://schemas.microsoft.com/office/mac/drawingml/2011/main" xmlns:a14="http://schemas.microsoft.com/office/drawing/2010/main" xmlns:m="http://schemas.openxmlformats.org/officeDocument/2006/math" xmlns="" val="1"/>
+              <ma14:wrappingTextBoxFlag xmlns="" xmlns:m="http://schemas.openxmlformats.org/officeDocument/2006/math" xmlns:a14="http://schemas.microsoft.com/office/drawing/2010/main" xmlns:ma14="http://schemas.microsoft.com/office/mac/drawingml/2011/main" val="1"/>
             </a:ext>
           </a:extLst>
         </p:spPr>
@@ -6933,7 +6956,7 @@
           </a:ln>
           <a:extLst>
             <a:ext uri="{C572A759-6A51-4108-AA02-DFA0A04FC94B}">
-              <ma14:wrappingTextBoxFlag xmlns:ma14="http://schemas.microsoft.com/office/mac/drawingml/2011/main" xmlns:a14="http://schemas.microsoft.com/office/drawing/2010/main" xmlns:m="http://schemas.openxmlformats.org/officeDocument/2006/math" xmlns="" val="1"/>
+              <ma14:wrappingTextBoxFlag xmlns="" xmlns:m="http://schemas.openxmlformats.org/officeDocument/2006/math" xmlns:a14="http://schemas.microsoft.com/office/drawing/2010/main" xmlns:ma14="http://schemas.microsoft.com/office/mac/drawingml/2011/main" val="1"/>
             </a:ext>
           </a:extLst>
         </p:spPr>
@@ -7726,7 +7749,7 @@
             <a:effectLst/>
             <a:extLst>
               <a:ext uri="{C572A759-6A51-4108-AA02-DFA0A04FC94B}">
-                <ma14:wrappingTextBoxFlag xmlns:ma14="http://schemas.microsoft.com/office/mac/drawingml/2011/main" xmlns:a14="http://schemas.microsoft.com/office/drawing/2010/main" xmlns:m="http://schemas.openxmlformats.org/officeDocument/2006/math" xmlns="" val="1"/>
+                <ma14:wrappingTextBoxFlag xmlns="" xmlns:m="http://schemas.openxmlformats.org/officeDocument/2006/math" xmlns:a14="http://schemas.microsoft.com/office/drawing/2010/main" xmlns:ma14="http://schemas.microsoft.com/office/mac/drawingml/2011/main" val="1"/>
               </a:ext>
             </a:extLst>
           </p:spPr>
@@ -8589,7 +8612,7 @@
             <a:effectLst/>
             <a:extLst>
               <a:ext uri="{C572A759-6A51-4108-AA02-DFA0A04FC94B}">
-                <ma14:wrappingTextBoxFlag xmlns:ma14="http://schemas.microsoft.com/office/mac/drawingml/2011/main" xmlns:a14="http://schemas.microsoft.com/office/drawing/2010/main" xmlns:m="http://schemas.openxmlformats.org/officeDocument/2006/math" xmlns="" val="1"/>
+                <ma14:wrappingTextBoxFlag xmlns="" xmlns:m="http://schemas.openxmlformats.org/officeDocument/2006/math" xmlns:a14="http://schemas.microsoft.com/office/drawing/2010/main" xmlns:ma14="http://schemas.microsoft.com/office/mac/drawingml/2011/main" val="1"/>
               </a:ext>
             </a:extLst>
           </p:spPr>
@@ -9511,7 +9534,7 @@
             <a:effectLst/>
             <a:extLst>
               <a:ext uri="{C572A759-6A51-4108-AA02-DFA0A04FC94B}">
-                <ma14:wrappingTextBoxFlag xmlns:ma14="http://schemas.microsoft.com/office/mac/drawingml/2011/main" xmlns:a14="http://schemas.microsoft.com/office/drawing/2010/main" xmlns:m="http://schemas.openxmlformats.org/officeDocument/2006/math" xmlns="" val="1"/>
+                <ma14:wrappingTextBoxFlag xmlns="" xmlns:m="http://schemas.openxmlformats.org/officeDocument/2006/math" xmlns:a14="http://schemas.microsoft.com/office/drawing/2010/main" xmlns:ma14="http://schemas.microsoft.com/office/mac/drawingml/2011/main" val="1"/>
               </a:ext>
             </a:extLst>
           </p:spPr>
@@ -9621,7 +9644,7 @@
           </a:ln>
           <a:extLst>
             <a:ext uri="{C572A759-6A51-4108-AA02-DFA0A04FC94B}">
-              <ma14:wrappingTextBoxFlag xmlns:ma14="http://schemas.microsoft.com/office/mac/drawingml/2011/main" xmlns:a14="http://schemas.microsoft.com/office/drawing/2010/main" xmlns:m="http://schemas.openxmlformats.org/officeDocument/2006/math" xmlns="" val="1"/>
+              <ma14:wrappingTextBoxFlag xmlns="" xmlns:m="http://schemas.openxmlformats.org/officeDocument/2006/math" xmlns:a14="http://schemas.microsoft.com/office/drawing/2010/main" xmlns:ma14="http://schemas.microsoft.com/office/mac/drawingml/2011/main" val="1"/>
             </a:ext>
           </a:extLst>
         </p:spPr>
@@ -9822,7 +9845,7 @@
           </a:ln>
           <a:extLst>
             <a:ext uri="{C572A759-6A51-4108-AA02-DFA0A04FC94B}">
-              <ma14:wrappingTextBoxFlag xmlns:ma14="http://schemas.microsoft.com/office/mac/drawingml/2011/main" xmlns:a14="http://schemas.microsoft.com/office/drawing/2010/main" xmlns:m="http://schemas.openxmlformats.org/officeDocument/2006/math" xmlns="" val="1"/>
+              <ma14:wrappingTextBoxFlag xmlns="" xmlns:m="http://schemas.openxmlformats.org/officeDocument/2006/math" xmlns:a14="http://schemas.microsoft.com/office/drawing/2010/main" xmlns:ma14="http://schemas.microsoft.com/office/mac/drawingml/2011/main" val="1"/>
             </a:ext>
           </a:extLst>
         </p:spPr>
@@ -9924,7 +9947,7 @@
           </a:ln>
           <a:extLst>
             <a:ext uri="{C572A759-6A51-4108-AA02-DFA0A04FC94B}">
-              <ma14:wrappingTextBoxFlag xmlns:ma14="http://schemas.microsoft.com/office/mac/drawingml/2011/main" xmlns:a14="http://schemas.microsoft.com/office/drawing/2010/main" xmlns:m="http://schemas.openxmlformats.org/officeDocument/2006/math" xmlns="" val="1"/>
+              <ma14:wrappingTextBoxFlag xmlns="" xmlns:m="http://schemas.openxmlformats.org/officeDocument/2006/math" xmlns:a14="http://schemas.microsoft.com/office/drawing/2010/main" xmlns:ma14="http://schemas.microsoft.com/office/mac/drawingml/2011/main" val="1"/>
             </a:ext>
           </a:extLst>
         </p:spPr>
@@ -10733,7 +10756,7 @@
           </a:ln>
           <a:extLst>
             <a:ext uri="{C572A759-6A51-4108-AA02-DFA0A04FC94B}">
-              <ma14:wrappingTextBoxFlag xmlns:ma14="http://schemas.microsoft.com/office/mac/drawingml/2011/main" xmlns:a14="http://schemas.microsoft.com/office/drawing/2010/main" xmlns:m="http://schemas.openxmlformats.org/officeDocument/2006/math" xmlns="" val="1"/>
+              <ma14:wrappingTextBoxFlag xmlns="" xmlns:m="http://schemas.openxmlformats.org/officeDocument/2006/math" xmlns:a14="http://schemas.microsoft.com/office/drawing/2010/main" xmlns:ma14="http://schemas.microsoft.com/office/mac/drawingml/2011/main" val="1"/>
             </a:ext>
           </a:extLst>
         </p:spPr>
@@ -10883,7 +10906,7 @@
           </a:ln>
           <a:extLst>
             <a:ext uri="{C572A759-6A51-4108-AA02-DFA0A04FC94B}">
-              <ma14:wrappingTextBoxFlag xmlns:ma14="http://schemas.microsoft.com/office/mac/drawingml/2011/main" xmlns:a14="http://schemas.microsoft.com/office/drawing/2010/main" xmlns:m="http://schemas.openxmlformats.org/officeDocument/2006/math" xmlns="" val="1"/>
+              <ma14:wrappingTextBoxFlag xmlns="" xmlns:m="http://schemas.openxmlformats.org/officeDocument/2006/math" xmlns:a14="http://schemas.microsoft.com/office/drawing/2010/main" xmlns:ma14="http://schemas.microsoft.com/office/mac/drawingml/2011/main" val="1"/>
             </a:ext>
           </a:extLst>
         </p:spPr>
@@ -10984,7 +11007,7 @@
           </a:ln>
           <a:extLst>
             <a:ext uri="{C572A759-6A51-4108-AA02-DFA0A04FC94B}">
-              <ma14:wrappingTextBoxFlag xmlns:ma14="http://schemas.microsoft.com/office/mac/drawingml/2011/main" xmlns:a14="http://schemas.microsoft.com/office/drawing/2010/main" xmlns:m="http://schemas.openxmlformats.org/officeDocument/2006/math" xmlns="" val="1"/>
+              <ma14:wrappingTextBoxFlag xmlns="" xmlns:m="http://schemas.openxmlformats.org/officeDocument/2006/math" xmlns:a14="http://schemas.microsoft.com/office/drawing/2010/main" xmlns:ma14="http://schemas.microsoft.com/office/mac/drawingml/2011/main" val="1"/>
             </a:ext>
           </a:extLst>
         </p:spPr>
@@ -11094,7 +11117,7 @@
           </a:ln>
           <a:extLst>
             <a:ext uri="{C572A759-6A51-4108-AA02-DFA0A04FC94B}">
-              <ma14:wrappingTextBoxFlag xmlns:ma14="http://schemas.microsoft.com/office/mac/drawingml/2011/main" xmlns:a14="http://schemas.microsoft.com/office/drawing/2010/main" xmlns:m="http://schemas.openxmlformats.org/officeDocument/2006/math" xmlns="" val="1"/>
+              <ma14:wrappingTextBoxFlag xmlns="" xmlns:m="http://schemas.openxmlformats.org/officeDocument/2006/math" xmlns:a14="http://schemas.microsoft.com/office/drawing/2010/main" xmlns:ma14="http://schemas.microsoft.com/office/mac/drawingml/2011/main" val="1"/>
             </a:ext>
           </a:extLst>
         </p:spPr>
@@ -11147,7 +11170,7 @@
           </a:ln>
           <a:extLst>
             <a:ext uri="{C572A759-6A51-4108-AA02-DFA0A04FC94B}">
-              <ma14:wrappingTextBoxFlag xmlns:ma14="http://schemas.microsoft.com/office/mac/drawingml/2011/main" xmlns:a14="http://schemas.microsoft.com/office/drawing/2010/main" xmlns:m="http://schemas.openxmlformats.org/officeDocument/2006/math" xmlns="" val="1"/>
+              <ma14:wrappingTextBoxFlag xmlns="" xmlns:m="http://schemas.openxmlformats.org/officeDocument/2006/math" xmlns:a14="http://schemas.microsoft.com/office/drawing/2010/main" xmlns:ma14="http://schemas.microsoft.com/office/mac/drawingml/2011/main" val="1"/>
             </a:ext>
           </a:extLst>
         </p:spPr>
@@ -11199,7 +11222,7 @@
           </a:ln>
           <a:extLst>
             <a:ext uri="{C572A759-6A51-4108-AA02-DFA0A04FC94B}">
-              <ma14:wrappingTextBoxFlag xmlns:ma14="http://schemas.microsoft.com/office/mac/drawingml/2011/main" xmlns:a14="http://schemas.microsoft.com/office/drawing/2010/main" xmlns:m="http://schemas.openxmlformats.org/officeDocument/2006/math" xmlns="" val="1"/>
+              <ma14:wrappingTextBoxFlag xmlns="" xmlns:m="http://schemas.openxmlformats.org/officeDocument/2006/math" xmlns:a14="http://schemas.microsoft.com/office/drawing/2010/main" xmlns:ma14="http://schemas.microsoft.com/office/mac/drawingml/2011/main" val="1"/>
             </a:ext>
           </a:extLst>
         </p:spPr>
@@ -11848,7 +11871,7 @@
           </a:ln>
           <a:extLst>
             <a:ext uri="{C572A759-6A51-4108-AA02-DFA0A04FC94B}">
-              <ma14:wrappingTextBoxFlag xmlns:ma14="http://schemas.microsoft.com/office/mac/drawingml/2011/main" xmlns:a14="http://schemas.microsoft.com/office/drawing/2010/main" xmlns:m="http://schemas.openxmlformats.org/officeDocument/2006/math" xmlns="" val="1"/>
+              <ma14:wrappingTextBoxFlag xmlns="" xmlns:m="http://schemas.openxmlformats.org/officeDocument/2006/math" xmlns:a14="http://schemas.microsoft.com/office/drawing/2010/main" xmlns:ma14="http://schemas.microsoft.com/office/mac/drawingml/2011/main" val="1"/>
             </a:ext>
           </a:extLst>
         </p:spPr>
@@ -11952,7 +11975,7 @@
           </a:ln>
           <a:extLst>
             <a:ext uri="{C572A759-6A51-4108-AA02-DFA0A04FC94B}">
-              <ma14:wrappingTextBoxFlag xmlns:ma14="http://schemas.microsoft.com/office/mac/drawingml/2011/main" xmlns:a14="http://schemas.microsoft.com/office/drawing/2010/main" xmlns:m="http://schemas.openxmlformats.org/officeDocument/2006/math" xmlns="" val="1"/>
+              <ma14:wrappingTextBoxFlag xmlns="" xmlns:m="http://schemas.openxmlformats.org/officeDocument/2006/math" xmlns:a14="http://schemas.microsoft.com/office/drawing/2010/main" xmlns:ma14="http://schemas.microsoft.com/office/mac/drawingml/2011/main" val="1"/>
             </a:ext>
           </a:extLst>
         </p:spPr>
@@ -12002,7 +12025,7 @@
           </a:ln>
           <a:extLst>
             <a:ext uri="{C572A759-6A51-4108-AA02-DFA0A04FC94B}">
-              <ma14:wrappingTextBoxFlag xmlns:ma14="http://schemas.microsoft.com/office/mac/drawingml/2011/main" xmlns:a14="http://schemas.microsoft.com/office/drawing/2010/main" xmlns:m="http://schemas.openxmlformats.org/officeDocument/2006/math" xmlns="" val="1"/>
+              <ma14:wrappingTextBoxFlag xmlns="" xmlns:m="http://schemas.openxmlformats.org/officeDocument/2006/math" xmlns:a14="http://schemas.microsoft.com/office/drawing/2010/main" xmlns:ma14="http://schemas.microsoft.com/office/mac/drawingml/2011/main" val="1"/>
             </a:ext>
           </a:extLst>
         </p:spPr>
@@ -12115,7 +12138,7 @@
             <a:effectLst/>
             <a:extLst>
               <a:ext uri="{C572A759-6A51-4108-AA02-DFA0A04FC94B}">
-                <ma14:wrappingTextBoxFlag xmlns:ma14="http://schemas.microsoft.com/office/mac/drawingml/2011/main" xmlns:a14="http://schemas.microsoft.com/office/drawing/2010/main" xmlns:m="http://schemas.openxmlformats.org/officeDocument/2006/math" xmlns="" val="1"/>
+                <ma14:wrappingTextBoxFlag xmlns="" xmlns:m="http://schemas.openxmlformats.org/officeDocument/2006/math" xmlns:a14="http://schemas.microsoft.com/office/drawing/2010/main" xmlns:ma14="http://schemas.microsoft.com/office/mac/drawingml/2011/main" val="1"/>
               </a:ext>
             </a:extLst>
           </p:spPr>
@@ -14216,7 +14239,7 @@
             <a:effectLst/>
             <a:extLst>
               <a:ext uri="{C572A759-6A51-4108-AA02-DFA0A04FC94B}">
-                <ma14:wrappingTextBoxFlag xmlns:ma14="http://schemas.microsoft.com/office/mac/drawingml/2011/main" xmlns:a14="http://schemas.microsoft.com/office/drawing/2010/main" xmlns:m="http://schemas.openxmlformats.org/officeDocument/2006/math" xmlns="" val="1"/>
+                <ma14:wrappingTextBoxFlag xmlns="" xmlns:m="http://schemas.openxmlformats.org/officeDocument/2006/math" xmlns:a14="http://schemas.microsoft.com/office/drawing/2010/main" xmlns:ma14="http://schemas.microsoft.com/office/mac/drawingml/2011/main" val="1"/>
               </a:ext>
             </a:extLst>
           </p:spPr>
@@ -15780,7 +15803,7 @@
           </a:ln>
           <a:extLst>
             <a:ext uri="{C572A759-6A51-4108-AA02-DFA0A04FC94B}">
-              <ma14:wrappingTextBoxFlag xmlns:ma14="http://schemas.microsoft.com/office/mac/drawingml/2011/main" xmlns:a14="http://schemas.microsoft.com/office/drawing/2010/main" xmlns:m="http://schemas.openxmlformats.org/officeDocument/2006/math" xmlns="" val="1"/>
+              <ma14:wrappingTextBoxFlag xmlns="" xmlns:m="http://schemas.openxmlformats.org/officeDocument/2006/math" xmlns:a14="http://schemas.microsoft.com/office/drawing/2010/main" xmlns:ma14="http://schemas.microsoft.com/office/mac/drawingml/2011/main" val="1"/>
             </a:ext>
           </a:extLst>
         </p:spPr>
@@ -16797,7 +16820,7 @@
             <a:effectLst/>
             <a:extLst>
               <a:ext uri="{C572A759-6A51-4108-AA02-DFA0A04FC94B}">
-                <ma14:wrappingTextBoxFlag xmlns:ma14="http://schemas.microsoft.com/office/mac/drawingml/2011/main" xmlns:a14="http://schemas.microsoft.com/office/drawing/2010/main" xmlns:m="http://schemas.openxmlformats.org/officeDocument/2006/math" xmlns="" val="1"/>
+                <ma14:wrappingTextBoxFlag xmlns="" xmlns:m="http://schemas.openxmlformats.org/officeDocument/2006/math" xmlns:a14="http://schemas.microsoft.com/office/drawing/2010/main" xmlns:ma14="http://schemas.microsoft.com/office/mac/drawingml/2011/main" val="1"/>
               </a:ext>
             </a:extLst>
           </p:spPr>
@@ -18480,7 +18503,7 @@
           </a:ln>
           <a:extLst>
             <a:ext uri="{C572A759-6A51-4108-AA02-DFA0A04FC94B}">
-              <ma14:wrappingTextBoxFlag xmlns:ma14="http://schemas.microsoft.com/office/mac/drawingml/2011/main" xmlns:a14="http://schemas.microsoft.com/office/drawing/2010/main" xmlns:m="http://schemas.openxmlformats.org/officeDocument/2006/math" xmlns="" val="1"/>
+              <ma14:wrappingTextBoxFlag xmlns="" xmlns:m="http://schemas.openxmlformats.org/officeDocument/2006/math" xmlns:a14="http://schemas.microsoft.com/office/drawing/2010/main" xmlns:ma14="http://schemas.microsoft.com/office/mac/drawingml/2011/main" val="1"/>
             </a:ext>
           </a:extLst>
         </p:spPr>
@@ -23285,7 +23308,7 @@
           </a:ln>
           <a:extLst>
             <a:ext uri="{C572A759-6A51-4108-AA02-DFA0A04FC94B}">
-              <ma14:wrappingTextBoxFlag xmlns:ma14="http://schemas.microsoft.com/office/mac/drawingml/2011/main" xmlns:a14="http://schemas.microsoft.com/office/drawing/2010/main" xmlns:m="http://schemas.openxmlformats.org/officeDocument/2006/math" xmlns="" val="1"/>
+              <ma14:wrappingTextBoxFlag xmlns="" xmlns:m="http://schemas.openxmlformats.org/officeDocument/2006/math" xmlns:a14="http://schemas.microsoft.com/office/drawing/2010/main" xmlns:ma14="http://schemas.microsoft.com/office/mac/drawingml/2011/main" val="1"/>
             </a:ext>
           </a:extLst>
         </p:spPr>
@@ -23557,7 +23580,7 @@
           </a:ln>
           <a:extLst>
             <a:ext uri="{C572A759-6A51-4108-AA02-DFA0A04FC94B}">
-              <ma14:wrappingTextBoxFlag xmlns:ma14="http://schemas.microsoft.com/office/mac/drawingml/2011/main" xmlns:a14="http://schemas.microsoft.com/office/drawing/2010/main" xmlns:m="http://schemas.openxmlformats.org/officeDocument/2006/math" xmlns="" val="1"/>
+              <ma14:wrappingTextBoxFlag xmlns="" xmlns:m="http://schemas.openxmlformats.org/officeDocument/2006/math" xmlns:a14="http://schemas.microsoft.com/office/drawing/2010/main" xmlns:ma14="http://schemas.microsoft.com/office/mac/drawingml/2011/main" val="1"/>
             </a:ext>
           </a:extLst>
         </p:spPr>
@@ -23731,7 +23754,7 @@
           </a:ln>
           <a:extLst>
             <a:ext uri="{C572A759-6A51-4108-AA02-DFA0A04FC94B}">
-              <ma14:wrappingTextBoxFlag xmlns:ma14="http://schemas.microsoft.com/office/mac/drawingml/2011/main" xmlns:a14="http://schemas.microsoft.com/office/drawing/2010/main" xmlns:m="http://schemas.openxmlformats.org/officeDocument/2006/math" xmlns="" val="1"/>
+              <ma14:wrappingTextBoxFlag xmlns="" xmlns:m="http://schemas.openxmlformats.org/officeDocument/2006/math" xmlns:a14="http://schemas.microsoft.com/office/drawing/2010/main" xmlns:ma14="http://schemas.microsoft.com/office/mac/drawingml/2011/main" val="1"/>
             </a:ext>
           </a:extLst>
         </p:spPr>
@@ -24012,7 +24035,7 @@
           </a:ln>
           <a:extLst>
             <a:ext uri="{C572A759-6A51-4108-AA02-DFA0A04FC94B}">
-              <ma14:wrappingTextBoxFlag xmlns:ma14="http://schemas.microsoft.com/office/mac/drawingml/2011/main" xmlns:a14="http://schemas.microsoft.com/office/drawing/2010/main" xmlns:m="http://schemas.openxmlformats.org/officeDocument/2006/math" xmlns="" val="1"/>
+              <ma14:wrappingTextBoxFlag xmlns="" xmlns:m="http://schemas.openxmlformats.org/officeDocument/2006/math" xmlns:a14="http://schemas.microsoft.com/office/drawing/2010/main" xmlns:ma14="http://schemas.microsoft.com/office/mac/drawingml/2011/main" val="1"/>
             </a:ext>
           </a:extLst>
         </p:spPr>
@@ -24064,7 +24087,7 @@
           </a:ln>
           <a:extLst>
             <a:ext uri="{C572A759-6A51-4108-AA02-DFA0A04FC94B}">
-              <ma14:wrappingTextBoxFlag xmlns:ma14="http://schemas.microsoft.com/office/mac/drawingml/2011/main" xmlns:a14="http://schemas.microsoft.com/office/drawing/2010/main" xmlns:m="http://schemas.openxmlformats.org/officeDocument/2006/math" xmlns="" val="1"/>
+              <ma14:wrappingTextBoxFlag xmlns="" xmlns:m="http://schemas.openxmlformats.org/officeDocument/2006/math" xmlns:a14="http://schemas.microsoft.com/office/drawing/2010/main" xmlns:ma14="http://schemas.microsoft.com/office/mac/drawingml/2011/main" val="1"/>
             </a:ext>
           </a:extLst>
         </p:spPr>
@@ -24117,7 +24140,7 @@
             <a:effectLst/>
             <a:extLst>
               <a:ext uri="{C572A759-6A51-4108-AA02-DFA0A04FC94B}">
-                <ma14:wrappingTextBoxFlag xmlns:ma14="http://schemas.microsoft.com/office/mac/drawingml/2011/main" xmlns:a14="http://schemas.microsoft.com/office/drawing/2010/main" xmlns:m="http://schemas.openxmlformats.org/officeDocument/2006/math" xmlns="" val="1"/>
+                <ma14:wrappingTextBoxFlag xmlns="" xmlns:m="http://schemas.openxmlformats.org/officeDocument/2006/math" xmlns:a14="http://schemas.microsoft.com/office/drawing/2010/main" xmlns:ma14="http://schemas.microsoft.com/office/mac/drawingml/2011/main" val="1"/>
               </a:ext>
             </a:extLst>
           </p:spPr>
@@ -24170,7 +24193,7 @@
             <a:effectLst/>
             <a:extLst>
               <a:ext uri="{C572A759-6A51-4108-AA02-DFA0A04FC94B}">
-                <ma14:wrappingTextBoxFlag xmlns:ma14="http://schemas.microsoft.com/office/mac/drawingml/2011/main" xmlns:a14="http://schemas.microsoft.com/office/drawing/2010/main" xmlns:m="http://schemas.openxmlformats.org/officeDocument/2006/math" xmlns="" val="1"/>
+                <ma14:wrappingTextBoxFlag xmlns="" xmlns:m="http://schemas.openxmlformats.org/officeDocument/2006/math" xmlns:a14="http://schemas.microsoft.com/office/drawing/2010/main" xmlns:ma14="http://schemas.microsoft.com/office/mac/drawingml/2011/main" val="1"/>
               </a:ext>
             </a:extLst>
           </p:spPr>
@@ -29361,7 +29384,7 @@
           </a:ln>
           <a:extLst>
             <a:ext uri="{C572A759-6A51-4108-AA02-DFA0A04FC94B}">
-              <ma14:wrappingTextBoxFlag xmlns:ma14="http://schemas.microsoft.com/office/mac/drawingml/2011/main" xmlns:a14="http://schemas.microsoft.com/office/drawing/2010/main" xmlns:m="http://schemas.openxmlformats.org/officeDocument/2006/math" xmlns="" val="1"/>
+              <ma14:wrappingTextBoxFlag xmlns="" xmlns:m="http://schemas.openxmlformats.org/officeDocument/2006/math" xmlns:a14="http://schemas.microsoft.com/office/drawing/2010/main" xmlns:ma14="http://schemas.microsoft.com/office/mac/drawingml/2011/main" val="1"/>
             </a:ext>
           </a:extLst>
         </p:spPr>
@@ -29422,7 +29445,7 @@
           </a:ln>
           <a:extLst>
             <a:ext uri="{C572A759-6A51-4108-AA02-DFA0A04FC94B}">
-              <ma14:wrappingTextBoxFlag xmlns:ma14="http://schemas.microsoft.com/office/mac/drawingml/2011/main" xmlns:a14="http://schemas.microsoft.com/office/drawing/2010/main" xmlns:m="http://schemas.openxmlformats.org/officeDocument/2006/math" xmlns="" val="1"/>
+              <ma14:wrappingTextBoxFlag xmlns="" xmlns:m="http://schemas.openxmlformats.org/officeDocument/2006/math" xmlns:a14="http://schemas.microsoft.com/office/drawing/2010/main" xmlns:ma14="http://schemas.microsoft.com/office/mac/drawingml/2011/main" val="1"/>
             </a:ext>
           </a:extLst>
         </p:spPr>
@@ -29458,7 +29481,7 @@
           </a:ln>
           <a:extLst>
             <a:ext uri="{C572A759-6A51-4108-AA02-DFA0A04FC94B}">
-              <ma14:wrappingTextBoxFlag xmlns:ma14="http://schemas.microsoft.com/office/mac/drawingml/2011/main" xmlns:a14="http://schemas.microsoft.com/office/drawing/2010/main" xmlns:m="http://schemas.openxmlformats.org/officeDocument/2006/math" xmlns="" val="1"/>
+              <ma14:wrappingTextBoxFlag xmlns="" xmlns:m="http://schemas.openxmlformats.org/officeDocument/2006/math" xmlns:a14="http://schemas.microsoft.com/office/drawing/2010/main" xmlns:ma14="http://schemas.microsoft.com/office/mac/drawingml/2011/main" val="1"/>
             </a:ext>
           </a:extLst>
         </p:spPr>
@@ -29948,7 +29971,7 @@
           </a:ln>
           <a:extLst>
             <a:ext uri="{C572A759-6A51-4108-AA02-DFA0A04FC94B}">
-              <ma14:wrappingTextBoxFlag xmlns:ma14="http://schemas.microsoft.com/office/mac/drawingml/2011/main" xmlns:a14="http://schemas.microsoft.com/office/drawing/2010/main" xmlns:m="http://schemas.openxmlformats.org/officeDocument/2006/math" xmlns="" val="1"/>
+              <ma14:wrappingTextBoxFlag xmlns="" xmlns:m="http://schemas.openxmlformats.org/officeDocument/2006/math" xmlns:a14="http://schemas.microsoft.com/office/drawing/2010/main" xmlns:ma14="http://schemas.microsoft.com/office/mac/drawingml/2011/main" val="1"/>
             </a:ext>
           </a:extLst>
         </p:spPr>
@@ -30032,7 +30055,7 @@
           </a:ln>
           <a:extLst>
             <a:ext uri="{C572A759-6A51-4108-AA02-DFA0A04FC94B}">
-              <ma14:wrappingTextBoxFlag xmlns:ma14="http://schemas.microsoft.com/office/mac/drawingml/2011/main" xmlns:a14="http://schemas.microsoft.com/office/drawing/2010/main" xmlns:m="http://schemas.openxmlformats.org/officeDocument/2006/math" xmlns="" val="1"/>
+              <ma14:wrappingTextBoxFlag xmlns="" xmlns:m="http://schemas.openxmlformats.org/officeDocument/2006/math" xmlns:a14="http://schemas.microsoft.com/office/drawing/2010/main" xmlns:ma14="http://schemas.microsoft.com/office/mac/drawingml/2011/main" val="1"/>
             </a:ext>
           </a:extLst>
         </p:spPr>
@@ -30116,7 +30139,7 @@
           </a:ln>
           <a:extLst>
             <a:ext uri="{C572A759-6A51-4108-AA02-DFA0A04FC94B}">
-              <ma14:wrappingTextBoxFlag xmlns:ma14="http://schemas.microsoft.com/office/mac/drawingml/2011/main" xmlns:a14="http://schemas.microsoft.com/office/drawing/2010/main" xmlns:m="http://schemas.openxmlformats.org/officeDocument/2006/math" xmlns="" val="1"/>
+              <ma14:wrappingTextBoxFlag xmlns="" xmlns:m="http://schemas.openxmlformats.org/officeDocument/2006/math" xmlns:a14="http://schemas.microsoft.com/office/drawing/2010/main" xmlns:ma14="http://schemas.microsoft.com/office/mac/drawingml/2011/main" val="1"/>
             </a:ext>
           </a:extLst>
         </p:spPr>
@@ -30176,7 +30199,7 @@
           </a:ln>
           <a:extLst>
             <a:ext uri="{C572A759-6A51-4108-AA02-DFA0A04FC94B}">
-              <ma14:wrappingTextBoxFlag xmlns:ma14="http://schemas.microsoft.com/office/mac/drawingml/2011/main" xmlns:a14="http://schemas.microsoft.com/office/drawing/2010/main" xmlns:m="http://schemas.openxmlformats.org/officeDocument/2006/math" xmlns="" val="1"/>
+              <ma14:wrappingTextBoxFlag xmlns="" xmlns:m="http://schemas.openxmlformats.org/officeDocument/2006/math" xmlns:a14="http://schemas.microsoft.com/office/drawing/2010/main" xmlns:ma14="http://schemas.microsoft.com/office/mac/drawingml/2011/main" val="1"/>
             </a:ext>
           </a:extLst>
         </p:spPr>
@@ -30237,7 +30260,7 @@
           </a:ln>
           <a:extLst>
             <a:ext uri="{C572A759-6A51-4108-AA02-DFA0A04FC94B}">
-              <ma14:wrappingTextBoxFlag xmlns:ma14="http://schemas.microsoft.com/office/mac/drawingml/2011/main" xmlns:a14="http://schemas.microsoft.com/office/drawing/2010/main" xmlns:m="http://schemas.openxmlformats.org/officeDocument/2006/math" xmlns="" val="1"/>
+              <ma14:wrappingTextBoxFlag xmlns="" xmlns:m="http://schemas.openxmlformats.org/officeDocument/2006/math" xmlns:a14="http://schemas.microsoft.com/office/drawing/2010/main" xmlns:ma14="http://schemas.microsoft.com/office/mac/drawingml/2011/main" val="1"/>
             </a:ext>
           </a:extLst>
         </p:spPr>
@@ -30298,7 +30321,7 @@
           </a:ln>
           <a:extLst>
             <a:ext uri="{C572A759-6A51-4108-AA02-DFA0A04FC94B}">
-              <ma14:wrappingTextBoxFlag xmlns:ma14="http://schemas.microsoft.com/office/mac/drawingml/2011/main" xmlns:a14="http://schemas.microsoft.com/office/drawing/2010/main" xmlns:m="http://schemas.openxmlformats.org/officeDocument/2006/math" xmlns="" val="1"/>
+              <ma14:wrappingTextBoxFlag xmlns="" xmlns:m="http://schemas.openxmlformats.org/officeDocument/2006/math" xmlns:a14="http://schemas.microsoft.com/office/drawing/2010/main" xmlns:ma14="http://schemas.microsoft.com/office/mac/drawingml/2011/main" val="1"/>
             </a:ext>
           </a:extLst>
         </p:spPr>
@@ -30371,7 +30394,7 @@
           </a:ln>
           <a:extLst>
             <a:ext uri="{C572A759-6A51-4108-AA02-DFA0A04FC94B}">
-              <ma14:wrappingTextBoxFlag xmlns:ma14="http://schemas.microsoft.com/office/mac/drawingml/2011/main" xmlns:a14="http://schemas.microsoft.com/office/drawing/2010/main" xmlns:m="http://schemas.openxmlformats.org/officeDocument/2006/math" xmlns="" val="1"/>
+              <ma14:wrappingTextBoxFlag xmlns="" xmlns:m="http://schemas.openxmlformats.org/officeDocument/2006/math" xmlns:a14="http://schemas.microsoft.com/office/drawing/2010/main" xmlns:ma14="http://schemas.microsoft.com/office/mac/drawingml/2011/main" val="1"/>
             </a:ext>
           </a:extLst>
         </p:spPr>
@@ -30719,7 +30742,7 @@
               <a:effectLst/>
               <a:extLst>
                 <a:ext uri="{C572A759-6A51-4108-AA02-DFA0A04FC94B}">
-                  <ma14:wrappingTextBoxFlag xmlns:ma14="http://schemas.microsoft.com/office/mac/drawingml/2011/main" xmlns:a14="http://schemas.microsoft.com/office/drawing/2010/main" xmlns:m="http://schemas.openxmlformats.org/officeDocument/2006/math" xmlns="" val="1"/>
+                  <ma14:wrappingTextBoxFlag xmlns="" xmlns:m="http://schemas.openxmlformats.org/officeDocument/2006/math" xmlns:a14="http://schemas.microsoft.com/office/drawing/2010/main" xmlns:ma14="http://schemas.microsoft.com/office/mac/drawingml/2011/main" val="1"/>
                 </a:ext>
               </a:extLst>
             </p:spPr>
@@ -31765,7 +31788,7 @@
           </a:ln>
           <a:extLst>
             <a:ext uri="{C572A759-6A51-4108-AA02-DFA0A04FC94B}">
-              <ma14:wrappingTextBoxFlag xmlns:ma14="http://schemas.microsoft.com/office/mac/drawingml/2011/main" xmlns:a14="http://schemas.microsoft.com/office/drawing/2010/main" xmlns:m="http://schemas.openxmlformats.org/officeDocument/2006/math" xmlns="" val="1"/>
+              <ma14:wrappingTextBoxFlag xmlns="" xmlns:m="http://schemas.openxmlformats.org/officeDocument/2006/math" xmlns:a14="http://schemas.microsoft.com/office/drawing/2010/main" xmlns:ma14="http://schemas.microsoft.com/office/mac/drawingml/2011/main" val="1"/>
             </a:ext>
           </a:extLst>
         </p:spPr>
@@ -31815,7 +31838,7 @@
           </a:ln>
           <a:extLst>
             <a:ext uri="{C572A759-6A51-4108-AA02-DFA0A04FC94B}">
-              <ma14:wrappingTextBoxFlag xmlns:ma14="http://schemas.microsoft.com/office/mac/drawingml/2011/main" xmlns:a14="http://schemas.microsoft.com/office/drawing/2010/main" xmlns:m="http://schemas.openxmlformats.org/officeDocument/2006/math" xmlns="" val="1"/>
+              <ma14:wrappingTextBoxFlag xmlns="" xmlns:m="http://schemas.openxmlformats.org/officeDocument/2006/math" xmlns:a14="http://schemas.microsoft.com/office/drawing/2010/main" xmlns:ma14="http://schemas.microsoft.com/office/mac/drawingml/2011/main" val="1"/>
             </a:ext>
           </a:extLst>
         </p:spPr>
@@ -31851,7 +31874,7 @@
           </a:ln>
           <a:extLst>
             <a:ext uri="{C572A759-6A51-4108-AA02-DFA0A04FC94B}">
-              <ma14:wrappingTextBoxFlag xmlns:ma14="http://schemas.microsoft.com/office/mac/drawingml/2011/main" xmlns:a14="http://schemas.microsoft.com/office/drawing/2010/main" xmlns:m="http://schemas.openxmlformats.org/officeDocument/2006/math" xmlns="" val="1"/>
+              <ma14:wrappingTextBoxFlag xmlns="" xmlns:m="http://schemas.openxmlformats.org/officeDocument/2006/math" xmlns:a14="http://schemas.microsoft.com/office/drawing/2010/main" xmlns:ma14="http://schemas.microsoft.com/office/mac/drawingml/2011/main" val="1"/>
             </a:ext>
           </a:extLst>
         </p:spPr>
@@ -32057,7 +32080,7 @@
           </a:ln>
           <a:extLst>
             <a:ext uri="{C572A759-6A51-4108-AA02-DFA0A04FC94B}">
-              <ma14:wrappingTextBoxFlag xmlns:ma14="http://schemas.microsoft.com/office/mac/drawingml/2011/main" xmlns:a14="http://schemas.microsoft.com/office/drawing/2010/main" xmlns:m="http://schemas.openxmlformats.org/officeDocument/2006/math" xmlns="" val="1"/>
+              <ma14:wrappingTextBoxFlag xmlns="" xmlns:m="http://schemas.openxmlformats.org/officeDocument/2006/math" xmlns:a14="http://schemas.microsoft.com/office/drawing/2010/main" xmlns:ma14="http://schemas.microsoft.com/office/mac/drawingml/2011/main" val="1"/>
             </a:ext>
           </a:extLst>
         </p:spPr>
@@ -32093,7 +32116,7 @@
           </a:ln>
           <a:extLst>
             <a:ext uri="{C572A759-6A51-4108-AA02-DFA0A04FC94B}">
-              <ma14:wrappingTextBoxFlag xmlns:ma14="http://schemas.microsoft.com/office/mac/drawingml/2011/main" xmlns:a14="http://schemas.microsoft.com/office/drawing/2010/main" xmlns:m="http://schemas.openxmlformats.org/officeDocument/2006/math" xmlns="" val="1"/>
+              <ma14:wrappingTextBoxFlag xmlns="" xmlns:m="http://schemas.openxmlformats.org/officeDocument/2006/math" xmlns:a14="http://schemas.microsoft.com/office/drawing/2010/main" xmlns:ma14="http://schemas.microsoft.com/office/mac/drawingml/2011/main" val="1"/>
             </a:ext>
           </a:extLst>
         </p:spPr>
@@ -32370,7 +32393,7 @@
           </a:ln>
           <a:extLst>
             <a:ext uri="{C572A759-6A51-4108-AA02-DFA0A04FC94B}">
-              <ma14:wrappingTextBoxFlag xmlns:ma14="http://schemas.microsoft.com/office/mac/drawingml/2011/main" xmlns:a14="http://schemas.microsoft.com/office/drawing/2010/main" xmlns:m="http://schemas.openxmlformats.org/officeDocument/2006/math" xmlns="" val="1"/>
+              <ma14:wrappingTextBoxFlag xmlns="" xmlns:m="http://schemas.openxmlformats.org/officeDocument/2006/math" xmlns:a14="http://schemas.microsoft.com/office/drawing/2010/main" xmlns:ma14="http://schemas.microsoft.com/office/mac/drawingml/2011/main" val="1"/>
             </a:ext>
           </a:extLst>
         </p:spPr>
@@ -32420,7 +32443,7 @@
           </a:ln>
           <a:extLst>
             <a:ext uri="{C572A759-6A51-4108-AA02-DFA0A04FC94B}">
-              <ma14:wrappingTextBoxFlag xmlns:ma14="http://schemas.microsoft.com/office/mac/drawingml/2011/main" xmlns:a14="http://schemas.microsoft.com/office/drawing/2010/main" xmlns:m="http://schemas.openxmlformats.org/officeDocument/2006/math" xmlns="" val="1"/>
+              <ma14:wrappingTextBoxFlag xmlns="" xmlns:m="http://schemas.openxmlformats.org/officeDocument/2006/math" xmlns:a14="http://schemas.microsoft.com/office/drawing/2010/main" xmlns:ma14="http://schemas.microsoft.com/office/mac/drawingml/2011/main" val="1"/>
             </a:ext>
           </a:extLst>
         </p:spPr>
@@ -32568,7 +32591,7 @@
           </a:ln>
           <a:extLst>
             <a:ext uri="{C572A759-6A51-4108-AA02-DFA0A04FC94B}">
-              <ma14:wrappingTextBoxFlag xmlns:ma14="http://schemas.microsoft.com/office/mac/drawingml/2011/main" xmlns:a14="http://schemas.microsoft.com/office/drawing/2010/main" xmlns:m="http://schemas.openxmlformats.org/officeDocument/2006/math" xmlns="" val="1"/>
+              <ma14:wrappingTextBoxFlag xmlns="" xmlns:m="http://schemas.openxmlformats.org/officeDocument/2006/math" xmlns:a14="http://schemas.microsoft.com/office/drawing/2010/main" xmlns:ma14="http://schemas.microsoft.com/office/mac/drawingml/2011/main" val="1"/>
             </a:ext>
           </a:extLst>
         </p:spPr>
@@ -33524,7 +33547,7 @@
           </a:ln>
           <a:extLst>
             <a:ext uri="{C572A759-6A51-4108-AA02-DFA0A04FC94B}">
-              <ma14:wrappingTextBoxFlag xmlns:ma14="http://schemas.microsoft.com/office/mac/drawingml/2011/main" xmlns:a14="http://schemas.microsoft.com/office/drawing/2010/main" xmlns:m="http://schemas.openxmlformats.org/officeDocument/2006/math" xmlns="" val="1"/>
+              <ma14:wrappingTextBoxFlag xmlns="" xmlns:m="http://schemas.openxmlformats.org/officeDocument/2006/math" xmlns:a14="http://schemas.microsoft.com/office/drawing/2010/main" xmlns:ma14="http://schemas.microsoft.com/office/mac/drawingml/2011/main" val="1"/>
             </a:ext>
           </a:extLst>
         </p:spPr>
@@ -33641,7 +33664,7 @@
           </a:ln>
           <a:extLst>
             <a:ext uri="{C572A759-6A51-4108-AA02-DFA0A04FC94B}">
-              <ma14:wrappingTextBoxFlag xmlns:ma14="http://schemas.microsoft.com/office/mac/drawingml/2011/main" xmlns:a14="http://schemas.microsoft.com/office/drawing/2010/main" xmlns:m="http://schemas.openxmlformats.org/officeDocument/2006/math" xmlns="" val="1"/>
+              <ma14:wrappingTextBoxFlag xmlns="" xmlns:m="http://schemas.openxmlformats.org/officeDocument/2006/math" xmlns:a14="http://schemas.microsoft.com/office/drawing/2010/main" xmlns:ma14="http://schemas.microsoft.com/office/mac/drawingml/2011/main" val="1"/>
             </a:ext>
           </a:extLst>
         </p:spPr>
@@ -35369,7 +35392,7 @@
           </a:ln>
           <a:extLst>
             <a:ext uri="{C572A759-6A51-4108-AA02-DFA0A04FC94B}">
-              <ma14:wrappingTextBoxFlag xmlns:ma14="http://schemas.microsoft.com/office/mac/drawingml/2011/main" xmlns:a14="http://schemas.microsoft.com/office/drawing/2010/main" xmlns:m="http://schemas.openxmlformats.org/officeDocument/2006/math" xmlns="" val="1"/>
+              <ma14:wrappingTextBoxFlag xmlns="" xmlns:m="http://schemas.openxmlformats.org/officeDocument/2006/math" xmlns:a14="http://schemas.microsoft.com/office/drawing/2010/main" xmlns:ma14="http://schemas.microsoft.com/office/mac/drawingml/2011/main" val="1"/>
             </a:ext>
           </a:extLst>
         </p:spPr>
@@ -35457,7 +35480,7 @@
           </a:ln>
           <a:extLst>
             <a:ext uri="{C572A759-6A51-4108-AA02-DFA0A04FC94B}">
-              <ma14:wrappingTextBoxFlag xmlns:ma14="http://schemas.microsoft.com/office/mac/drawingml/2011/main" xmlns:a14="http://schemas.microsoft.com/office/drawing/2010/main" xmlns:m="http://schemas.openxmlformats.org/officeDocument/2006/math" xmlns="" val="1"/>
+              <ma14:wrappingTextBoxFlag xmlns="" xmlns:m="http://schemas.openxmlformats.org/officeDocument/2006/math" xmlns:a14="http://schemas.microsoft.com/office/drawing/2010/main" xmlns:ma14="http://schemas.microsoft.com/office/mac/drawingml/2011/main" val="1"/>
             </a:ext>
           </a:extLst>
         </p:spPr>
@@ -35517,7 +35540,7 @@
           </a:ln>
           <a:extLst>
             <a:ext uri="{C572A759-6A51-4108-AA02-DFA0A04FC94B}">
-              <ma14:wrappingTextBoxFlag xmlns:ma14="http://schemas.microsoft.com/office/mac/drawingml/2011/main" xmlns:a14="http://schemas.microsoft.com/office/drawing/2010/main" xmlns:m="http://schemas.openxmlformats.org/officeDocument/2006/math" xmlns="" val="1"/>
+              <ma14:wrappingTextBoxFlag xmlns="" xmlns:m="http://schemas.openxmlformats.org/officeDocument/2006/math" xmlns:a14="http://schemas.microsoft.com/office/drawing/2010/main" xmlns:ma14="http://schemas.microsoft.com/office/mac/drawingml/2011/main" val="1"/>
             </a:ext>
           </a:extLst>
         </p:spPr>
@@ -35577,7 +35600,7 @@
           </a:ln>
           <a:extLst>
             <a:ext uri="{C572A759-6A51-4108-AA02-DFA0A04FC94B}">
-              <ma14:wrappingTextBoxFlag xmlns:ma14="http://schemas.microsoft.com/office/mac/drawingml/2011/main" xmlns:a14="http://schemas.microsoft.com/office/drawing/2010/main" xmlns:m="http://schemas.openxmlformats.org/officeDocument/2006/math" xmlns="" val="1"/>
+              <ma14:wrappingTextBoxFlag xmlns="" xmlns:m="http://schemas.openxmlformats.org/officeDocument/2006/math" xmlns:a14="http://schemas.microsoft.com/office/drawing/2010/main" xmlns:ma14="http://schemas.microsoft.com/office/mac/drawingml/2011/main" val="1"/>
             </a:ext>
           </a:extLst>
         </p:spPr>
@@ -35637,7 +35660,7 @@
           </a:ln>
           <a:extLst>
             <a:ext uri="{C572A759-6A51-4108-AA02-DFA0A04FC94B}">
-              <ma14:wrappingTextBoxFlag xmlns:ma14="http://schemas.microsoft.com/office/mac/drawingml/2011/main" xmlns:a14="http://schemas.microsoft.com/office/drawing/2010/main" xmlns:m="http://schemas.openxmlformats.org/officeDocument/2006/math" xmlns="" val="1"/>
+              <ma14:wrappingTextBoxFlag xmlns="" xmlns:m="http://schemas.openxmlformats.org/officeDocument/2006/math" xmlns:a14="http://schemas.microsoft.com/office/drawing/2010/main" xmlns:ma14="http://schemas.microsoft.com/office/mac/drawingml/2011/main" val="1"/>
             </a:ext>
           </a:extLst>
         </p:spPr>
@@ -35758,7 +35781,7 @@
           </a:ln>
           <a:extLst>
             <a:ext uri="{C572A759-6A51-4108-AA02-DFA0A04FC94B}">
-              <ma14:wrappingTextBoxFlag xmlns:ma14="http://schemas.microsoft.com/office/mac/drawingml/2011/main" xmlns:a14="http://schemas.microsoft.com/office/drawing/2010/main" xmlns:m="http://schemas.openxmlformats.org/officeDocument/2006/math" xmlns="" val="1"/>
+              <ma14:wrappingTextBoxFlag xmlns="" xmlns:m="http://schemas.openxmlformats.org/officeDocument/2006/math" xmlns:a14="http://schemas.microsoft.com/office/drawing/2010/main" xmlns:ma14="http://schemas.microsoft.com/office/mac/drawingml/2011/main" val="1"/>
             </a:ext>
           </a:extLst>
         </p:spPr>
@@ -36022,7 +36045,7 @@
           </a:ln>
           <a:extLst>
             <a:ext uri="{C572A759-6A51-4108-AA02-DFA0A04FC94B}">
-              <ma14:wrappingTextBoxFlag xmlns:ma14="http://schemas.microsoft.com/office/mac/drawingml/2011/main" xmlns:a14="http://schemas.microsoft.com/office/drawing/2010/main" xmlns:m="http://schemas.openxmlformats.org/officeDocument/2006/math" xmlns="" val="1"/>
+              <ma14:wrappingTextBoxFlag xmlns="" xmlns:m="http://schemas.openxmlformats.org/officeDocument/2006/math" xmlns:a14="http://schemas.microsoft.com/office/drawing/2010/main" xmlns:ma14="http://schemas.microsoft.com/office/mac/drawingml/2011/main" val="1"/>
             </a:ext>
           </a:extLst>
         </p:spPr>
@@ -36209,7 +36232,7 @@
           </a:ln>
           <a:extLst>
             <a:ext uri="{C572A759-6A51-4108-AA02-DFA0A04FC94B}">
-              <ma14:wrappingTextBoxFlag xmlns:ma14="http://schemas.microsoft.com/office/mac/drawingml/2011/main" xmlns:a14="http://schemas.microsoft.com/office/drawing/2010/main" xmlns:m="http://schemas.openxmlformats.org/officeDocument/2006/math" xmlns="" val="1"/>
+              <ma14:wrappingTextBoxFlag xmlns="" xmlns:m="http://schemas.openxmlformats.org/officeDocument/2006/math" xmlns:a14="http://schemas.microsoft.com/office/drawing/2010/main" xmlns:ma14="http://schemas.microsoft.com/office/mac/drawingml/2011/main" val="1"/>
             </a:ext>
           </a:extLst>
         </p:spPr>

--- a/powerpoints/tidyr.pptx
+++ b/powerpoints/tidyr.pptx
@@ -2292,7 +2292,7 @@
           </a:ln>
           <a:extLst>
             <a:ext uri="{C572A759-6A51-4108-AA02-DFA0A04FC94B}">
-              <ma14:wrappingTextBoxFlag xmlns="" xmlns:m="http://schemas.openxmlformats.org/officeDocument/2006/math" xmlns:a14="http://schemas.microsoft.com/office/drawing/2010/main" xmlns:ma14="http://schemas.microsoft.com/office/mac/drawingml/2011/main" val="1"/>
+              <ma14:wrappingTextBoxFlag xmlns:ma14="http://schemas.microsoft.com/office/mac/drawingml/2011/main" xmlns:a14="http://schemas.microsoft.com/office/drawing/2010/main" xmlns:m="http://schemas.openxmlformats.org/officeDocument/2006/math" xmlns="" val="1"/>
             </a:ext>
           </a:extLst>
         </p:spPr>
@@ -2331,7 +2331,7 @@
           </a:ln>
           <a:extLst>
             <a:ext uri="{C572A759-6A51-4108-AA02-DFA0A04FC94B}">
-              <ma14:wrappingTextBoxFlag xmlns="" xmlns:m="http://schemas.openxmlformats.org/officeDocument/2006/math" xmlns:a14="http://schemas.microsoft.com/office/drawing/2010/main" xmlns:ma14="http://schemas.microsoft.com/office/mac/drawingml/2011/main" val="1"/>
+              <ma14:wrappingTextBoxFlag xmlns:ma14="http://schemas.microsoft.com/office/mac/drawingml/2011/main" xmlns:a14="http://schemas.microsoft.com/office/drawing/2010/main" xmlns:m="http://schemas.openxmlformats.org/officeDocument/2006/math" xmlns="" val="1"/>
             </a:ext>
           </a:extLst>
         </p:spPr>
@@ -4737,7 +4737,7 @@
           </a:ln>
           <a:extLst>
             <a:ext uri="{C572A759-6A51-4108-AA02-DFA0A04FC94B}">
-              <ma14:wrappingTextBoxFlag xmlns="" xmlns:m="http://schemas.openxmlformats.org/officeDocument/2006/math" xmlns:a14="http://schemas.microsoft.com/office/drawing/2010/main" xmlns:ma14="http://schemas.microsoft.com/office/mac/drawingml/2011/main" val="1"/>
+              <ma14:wrappingTextBoxFlag xmlns:ma14="http://schemas.microsoft.com/office/mac/drawingml/2011/main" xmlns:a14="http://schemas.microsoft.com/office/drawing/2010/main" xmlns:m="http://schemas.openxmlformats.org/officeDocument/2006/math" xmlns="" val="1"/>
             </a:ext>
           </a:extLst>
         </p:spPr>
@@ -4870,16 +4870,12 @@
           <a:lstStyle/>
           <a:p>
             <a:r>
-              <a:rPr dirty="0"/>
-              <a:t>Tidy </a:t>
-            </a:r>
-            <a:r>
               <a:rPr lang="en-US" dirty="0"/>
-              <a:t>d</a:t>
+              <a:t>Data tidying </a:t>
             </a:r>
             <a:r>
               <a:rPr dirty="0"/>
-              <a:t>ata with </a:t>
+              <a:t>with </a:t>
             </a:r>
             <a:r>
               <a:rPr dirty="0" err="1"/>
@@ -4924,7 +4920,7 @@
           </a:ln>
           <a:extLst>
             <a:ext uri="{C572A759-6A51-4108-AA02-DFA0A04FC94B}">
-              <ma14:wrappingTextBoxFlag xmlns="" xmlns:m="http://schemas.openxmlformats.org/officeDocument/2006/math" xmlns:a14="http://schemas.microsoft.com/office/drawing/2010/main" xmlns:ma14="http://schemas.microsoft.com/office/mac/drawingml/2011/main" val="1"/>
+              <ma14:wrappingTextBoxFlag xmlns:ma14="http://schemas.microsoft.com/office/mac/drawingml/2011/main" xmlns:a14="http://schemas.microsoft.com/office/drawing/2010/main" xmlns:m="http://schemas.openxmlformats.org/officeDocument/2006/math" xmlns="" val="1"/>
             </a:ext>
           </a:extLst>
         </p:spPr>
@@ -4974,7 +4970,7 @@
           </a:ln>
           <a:extLst>
             <a:ext uri="{C572A759-6A51-4108-AA02-DFA0A04FC94B}">
-              <ma14:wrappingTextBoxFlag xmlns="" xmlns:m="http://schemas.openxmlformats.org/officeDocument/2006/math" xmlns:a14="http://schemas.microsoft.com/office/drawing/2010/main" xmlns:ma14="http://schemas.microsoft.com/office/mac/drawingml/2011/main" val="1"/>
+              <ma14:wrappingTextBoxFlag xmlns:ma14="http://schemas.microsoft.com/office/mac/drawingml/2011/main" xmlns:a14="http://schemas.microsoft.com/office/drawing/2010/main" xmlns:m="http://schemas.openxmlformats.org/officeDocument/2006/math" xmlns="" val="1"/>
             </a:ext>
           </a:extLst>
         </p:spPr>
@@ -5063,7 +5059,7 @@
           </a:ln>
           <a:extLst>
             <a:ext uri="{C572A759-6A51-4108-AA02-DFA0A04FC94B}">
-              <ma14:wrappingTextBoxFlag xmlns="" xmlns:m="http://schemas.openxmlformats.org/officeDocument/2006/math" xmlns:a14="http://schemas.microsoft.com/office/drawing/2010/main" xmlns:ma14="http://schemas.microsoft.com/office/mac/drawingml/2011/main" val="1"/>
+              <ma14:wrappingTextBoxFlag xmlns:ma14="http://schemas.microsoft.com/office/mac/drawingml/2011/main" xmlns:a14="http://schemas.microsoft.com/office/drawing/2010/main" xmlns:m="http://schemas.openxmlformats.org/officeDocument/2006/math" xmlns="" val="1"/>
             </a:ext>
           </a:extLst>
         </p:spPr>
@@ -5129,7 +5125,7 @@
           </a:ln>
           <a:extLst>
             <a:ext uri="{C572A759-6A51-4108-AA02-DFA0A04FC94B}">
-              <ma14:wrappingTextBoxFlag xmlns="" xmlns:m="http://schemas.openxmlformats.org/officeDocument/2006/math" xmlns:a14="http://schemas.microsoft.com/office/drawing/2010/main" xmlns:ma14="http://schemas.microsoft.com/office/mac/drawingml/2011/main" val="1"/>
+              <ma14:wrappingTextBoxFlag xmlns:ma14="http://schemas.microsoft.com/office/mac/drawingml/2011/main" xmlns:a14="http://schemas.microsoft.com/office/drawing/2010/main" xmlns:m="http://schemas.openxmlformats.org/officeDocument/2006/math" xmlns="" val="1"/>
             </a:ext>
           </a:extLst>
         </p:spPr>
@@ -5204,7 +5200,7 @@
           </a:ln>
           <a:extLst>
             <a:ext uri="{C572A759-6A51-4108-AA02-DFA0A04FC94B}">
-              <ma14:wrappingTextBoxFlag xmlns="" xmlns:m="http://schemas.openxmlformats.org/officeDocument/2006/math" xmlns:a14="http://schemas.microsoft.com/office/drawing/2010/main" xmlns:ma14="http://schemas.microsoft.com/office/mac/drawingml/2011/main" val="1"/>
+              <ma14:wrappingTextBoxFlag xmlns:ma14="http://schemas.microsoft.com/office/mac/drawingml/2011/main" xmlns:a14="http://schemas.microsoft.com/office/drawing/2010/main" xmlns:m="http://schemas.openxmlformats.org/officeDocument/2006/math" xmlns="" val="1"/>
             </a:ext>
           </a:extLst>
         </p:spPr>
@@ -5270,7 +5266,7 @@
           </a:ln>
           <a:extLst>
             <a:ext uri="{C572A759-6A51-4108-AA02-DFA0A04FC94B}">
-              <ma14:wrappingTextBoxFlag xmlns="" xmlns:m="http://schemas.openxmlformats.org/officeDocument/2006/math" xmlns:a14="http://schemas.microsoft.com/office/drawing/2010/main" xmlns:ma14="http://schemas.microsoft.com/office/mac/drawingml/2011/main" val="1"/>
+              <ma14:wrappingTextBoxFlag xmlns:ma14="http://schemas.microsoft.com/office/mac/drawingml/2011/main" xmlns:a14="http://schemas.microsoft.com/office/drawing/2010/main" xmlns:m="http://schemas.openxmlformats.org/officeDocument/2006/math" xmlns="" val="1"/>
             </a:ext>
           </a:extLst>
         </p:spPr>
@@ -5350,7 +5346,7 @@
             <a:effectLst/>
             <a:extLst>
               <a:ext uri="{C572A759-6A51-4108-AA02-DFA0A04FC94B}">
-                <ma14:wrappingTextBoxFlag xmlns="" xmlns:m="http://schemas.openxmlformats.org/officeDocument/2006/math" xmlns:a14="http://schemas.microsoft.com/office/drawing/2010/main" xmlns:ma14="http://schemas.microsoft.com/office/mac/drawingml/2011/main" val="1"/>
+                <ma14:wrappingTextBoxFlag xmlns:ma14="http://schemas.microsoft.com/office/mac/drawingml/2011/main" xmlns:a14="http://schemas.microsoft.com/office/drawing/2010/main" xmlns:m="http://schemas.openxmlformats.org/officeDocument/2006/math" xmlns="" val="1"/>
               </a:ext>
             </a:extLst>
           </p:spPr>
@@ -5697,7 +5693,7 @@
           </a:ln>
           <a:extLst>
             <a:ext uri="{C572A759-6A51-4108-AA02-DFA0A04FC94B}">
-              <ma14:wrappingTextBoxFlag xmlns="" xmlns:m="http://schemas.openxmlformats.org/officeDocument/2006/math" xmlns:a14="http://schemas.microsoft.com/office/drawing/2010/main" xmlns:ma14="http://schemas.microsoft.com/office/mac/drawingml/2011/main" val="1"/>
+              <ma14:wrappingTextBoxFlag xmlns:ma14="http://schemas.microsoft.com/office/mac/drawingml/2011/main" xmlns:a14="http://schemas.microsoft.com/office/drawing/2010/main" xmlns:m="http://schemas.openxmlformats.org/officeDocument/2006/math" xmlns="" val="1"/>
             </a:ext>
           </a:extLst>
         </p:spPr>
@@ -5749,7 +5745,7 @@
           </a:ln>
           <a:extLst>
             <a:ext uri="{C572A759-6A51-4108-AA02-DFA0A04FC94B}">
-              <ma14:wrappingTextBoxFlag xmlns="" xmlns:m="http://schemas.openxmlformats.org/officeDocument/2006/math" xmlns:a14="http://schemas.microsoft.com/office/drawing/2010/main" xmlns:ma14="http://schemas.microsoft.com/office/mac/drawingml/2011/main" val="1"/>
+              <ma14:wrappingTextBoxFlag xmlns:ma14="http://schemas.microsoft.com/office/mac/drawingml/2011/main" xmlns:a14="http://schemas.microsoft.com/office/drawing/2010/main" xmlns:m="http://schemas.openxmlformats.org/officeDocument/2006/math" xmlns="" val="1"/>
             </a:ext>
           </a:extLst>
         </p:spPr>
@@ -5929,7 +5925,7 @@
           </a:ln>
           <a:extLst>
             <a:ext uri="{C572A759-6A51-4108-AA02-DFA0A04FC94B}">
-              <ma14:wrappingTextBoxFlag xmlns="" xmlns:m="http://schemas.openxmlformats.org/officeDocument/2006/math" xmlns:a14="http://schemas.microsoft.com/office/drawing/2010/main" xmlns:ma14="http://schemas.microsoft.com/office/mac/drawingml/2011/main" val="1"/>
+              <ma14:wrappingTextBoxFlag xmlns:ma14="http://schemas.microsoft.com/office/mac/drawingml/2011/main" xmlns:a14="http://schemas.microsoft.com/office/drawing/2010/main" xmlns:m="http://schemas.openxmlformats.org/officeDocument/2006/math" xmlns="" val="1"/>
             </a:ext>
           </a:extLst>
         </p:spPr>
@@ -6158,7 +6154,7 @@
           </a:ln>
           <a:extLst>
             <a:ext uri="{C572A759-6A51-4108-AA02-DFA0A04FC94B}">
-              <ma14:wrappingTextBoxFlag xmlns="" xmlns:m="http://schemas.openxmlformats.org/officeDocument/2006/math" xmlns:a14="http://schemas.microsoft.com/office/drawing/2010/main" xmlns:ma14="http://schemas.microsoft.com/office/mac/drawingml/2011/main" val="1"/>
+              <ma14:wrappingTextBoxFlag xmlns:ma14="http://schemas.microsoft.com/office/mac/drawingml/2011/main" xmlns:a14="http://schemas.microsoft.com/office/drawing/2010/main" xmlns:m="http://schemas.openxmlformats.org/officeDocument/2006/math" xmlns="" val="1"/>
             </a:ext>
           </a:extLst>
         </p:spPr>
@@ -6205,7 +6201,7 @@
           </a:ln>
           <a:extLst>
             <a:ext uri="{C572A759-6A51-4108-AA02-DFA0A04FC94B}">
-              <ma14:wrappingTextBoxFlag xmlns="" xmlns:m="http://schemas.openxmlformats.org/officeDocument/2006/math" xmlns:a14="http://schemas.microsoft.com/office/drawing/2010/main" xmlns:ma14="http://schemas.microsoft.com/office/mac/drawingml/2011/main" val="1"/>
+              <ma14:wrappingTextBoxFlag xmlns:ma14="http://schemas.microsoft.com/office/mac/drawingml/2011/main" xmlns:a14="http://schemas.microsoft.com/office/drawing/2010/main" xmlns:m="http://schemas.openxmlformats.org/officeDocument/2006/math" xmlns="" val="1"/>
             </a:ext>
           </a:extLst>
         </p:spPr>
@@ -6289,7 +6285,7 @@
           </a:ln>
           <a:extLst>
             <a:ext uri="{C572A759-6A51-4108-AA02-DFA0A04FC94B}">
-              <ma14:wrappingTextBoxFlag xmlns="" xmlns:m="http://schemas.openxmlformats.org/officeDocument/2006/math" xmlns:a14="http://schemas.microsoft.com/office/drawing/2010/main" xmlns:ma14="http://schemas.microsoft.com/office/mac/drawingml/2011/main" val="1"/>
+              <ma14:wrappingTextBoxFlag xmlns:ma14="http://schemas.microsoft.com/office/mac/drawingml/2011/main" xmlns:a14="http://schemas.microsoft.com/office/drawing/2010/main" xmlns:m="http://schemas.openxmlformats.org/officeDocument/2006/math" xmlns="" val="1"/>
             </a:ext>
           </a:extLst>
         </p:spPr>
@@ -6456,7 +6452,7 @@
           </a:ln>
           <a:extLst>
             <a:ext uri="{C572A759-6A51-4108-AA02-DFA0A04FC94B}">
-              <ma14:wrappingTextBoxFlag xmlns="" xmlns:m="http://schemas.openxmlformats.org/officeDocument/2006/math" xmlns:a14="http://schemas.microsoft.com/office/drawing/2010/main" xmlns:ma14="http://schemas.microsoft.com/office/mac/drawingml/2011/main" val="1"/>
+              <ma14:wrappingTextBoxFlag xmlns:ma14="http://schemas.microsoft.com/office/mac/drawingml/2011/main" xmlns:a14="http://schemas.microsoft.com/office/drawing/2010/main" xmlns:m="http://schemas.openxmlformats.org/officeDocument/2006/math" xmlns="" val="1"/>
             </a:ext>
           </a:extLst>
         </p:spPr>
@@ -6492,7 +6488,7 @@
           </a:ln>
           <a:extLst>
             <a:ext uri="{C572A759-6A51-4108-AA02-DFA0A04FC94B}">
-              <ma14:wrappingTextBoxFlag xmlns="" xmlns:m="http://schemas.openxmlformats.org/officeDocument/2006/math" xmlns:a14="http://schemas.microsoft.com/office/drawing/2010/main" xmlns:ma14="http://schemas.microsoft.com/office/mac/drawingml/2011/main" val="1"/>
+              <ma14:wrappingTextBoxFlag xmlns:ma14="http://schemas.microsoft.com/office/mac/drawingml/2011/main" xmlns:a14="http://schemas.microsoft.com/office/drawing/2010/main" xmlns:m="http://schemas.openxmlformats.org/officeDocument/2006/math" xmlns="" val="1"/>
             </a:ext>
           </a:extLst>
         </p:spPr>
@@ -6661,7 +6657,7 @@
           </a:ln>
           <a:extLst>
             <a:ext uri="{C572A759-6A51-4108-AA02-DFA0A04FC94B}">
-              <ma14:wrappingTextBoxFlag xmlns="" xmlns:m="http://schemas.openxmlformats.org/officeDocument/2006/math" xmlns:a14="http://schemas.microsoft.com/office/drawing/2010/main" xmlns:ma14="http://schemas.microsoft.com/office/mac/drawingml/2011/main" val="1"/>
+              <ma14:wrappingTextBoxFlag xmlns:ma14="http://schemas.microsoft.com/office/mac/drawingml/2011/main" xmlns:a14="http://schemas.microsoft.com/office/drawing/2010/main" xmlns:m="http://schemas.openxmlformats.org/officeDocument/2006/math" xmlns="" val="1"/>
             </a:ext>
           </a:extLst>
         </p:spPr>
@@ -6854,7 +6850,7 @@
           </a:ln>
           <a:extLst>
             <a:ext uri="{C572A759-6A51-4108-AA02-DFA0A04FC94B}">
-              <ma14:wrappingTextBoxFlag xmlns="" xmlns:m="http://schemas.openxmlformats.org/officeDocument/2006/math" xmlns:a14="http://schemas.microsoft.com/office/drawing/2010/main" xmlns:ma14="http://schemas.microsoft.com/office/mac/drawingml/2011/main" val="1"/>
+              <ma14:wrappingTextBoxFlag xmlns:ma14="http://schemas.microsoft.com/office/mac/drawingml/2011/main" xmlns:a14="http://schemas.microsoft.com/office/drawing/2010/main" xmlns:m="http://schemas.openxmlformats.org/officeDocument/2006/math" xmlns="" val="1"/>
             </a:ext>
           </a:extLst>
         </p:spPr>
@@ -6906,7 +6902,7 @@
           </a:ln>
           <a:extLst>
             <a:ext uri="{C572A759-6A51-4108-AA02-DFA0A04FC94B}">
-              <ma14:wrappingTextBoxFlag xmlns="" xmlns:m="http://schemas.openxmlformats.org/officeDocument/2006/math" xmlns:a14="http://schemas.microsoft.com/office/drawing/2010/main" xmlns:ma14="http://schemas.microsoft.com/office/mac/drawingml/2011/main" val="1"/>
+              <ma14:wrappingTextBoxFlag xmlns:ma14="http://schemas.microsoft.com/office/mac/drawingml/2011/main" xmlns:a14="http://schemas.microsoft.com/office/drawing/2010/main" xmlns:m="http://schemas.openxmlformats.org/officeDocument/2006/math" xmlns="" val="1"/>
             </a:ext>
           </a:extLst>
         </p:spPr>
@@ -6956,7 +6952,7 @@
           </a:ln>
           <a:extLst>
             <a:ext uri="{C572A759-6A51-4108-AA02-DFA0A04FC94B}">
-              <ma14:wrappingTextBoxFlag xmlns="" xmlns:m="http://schemas.openxmlformats.org/officeDocument/2006/math" xmlns:a14="http://schemas.microsoft.com/office/drawing/2010/main" xmlns:ma14="http://schemas.microsoft.com/office/mac/drawingml/2011/main" val="1"/>
+              <ma14:wrappingTextBoxFlag xmlns:ma14="http://schemas.microsoft.com/office/mac/drawingml/2011/main" xmlns:a14="http://schemas.microsoft.com/office/drawing/2010/main" xmlns:m="http://schemas.openxmlformats.org/officeDocument/2006/math" xmlns="" val="1"/>
             </a:ext>
           </a:extLst>
         </p:spPr>
@@ -7749,7 +7745,7 @@
             <a:effectLst/>
             <a:extLst>
               <a:ext uri="{C572A759-6A51-4108-AA02-DFA0A04FC94B}">
-                <ma14:wrappingTextBoxFlag xmlns="" xmlns:m="http://schemas.openxmlformats.org/officeDocument/2006/math" xmlns:a14="http://schemas.microsoft.com/office/drawing/2010/main" xmlns:ma14="http://schemas.microsoft.com/office/mac/drawingml/2011/main" val="1"/>
+                <ma14:wrappingTextBoxFlag xmlns:ma14="http://schemas.microsoft.com/office/mac/drawingml/2011/main" xmlns:a14="http://schemas.microsoft.com/office/drawing/2010/main" xmlns:m="http://schemas.openxmlformats.org/officeDocument/2006/math" xmlns="" val="1"/>
               </a:ext>
             </a:extLst>
           </p:spPr>
@@ -8612,7 +8608,7 @@
             <a:effectLst/>
             <a:extLst>
               <a:ext uri="{C572A759-6A51-4108-AA02-DFA0A04FC94B}">
-                <ma14:wrappingTextBoxFlag xmlns="" xmlns:m="http://schemas.openxmlformats.org/officeDocument/2006/math" xmlns:a14="http://schemas.microsoft.com/office/drawing/2010/main" xmlns:ma14="http://schemas.microsoft.com/office/mac/drawingml/2011/main" val="1"/>
+                <ma14:wrappingTextBoxFlag xmlns:ma14="http://schemas.microsoft.com/office/mac/drawingml/2011/main" xmlns:a14="http://schemas.microsoft.com/office/drawing/2010/main" xmlns:m="http://schemas.openxmlformats.org/officeDocument/2006/math" xmlns="" val="1"/>
               </a:ext>
             </a:extLst>
           </p:spPr>
@@ -9534,7 +9530,7 @@
             <a:effectLst/>
             <a:extLst>
               <a:ext uri="{C572A759-6A51-4108-AA02-DFA0A04FC94B}">
-                <ma14:wrappingTextBoxFlag xmlns="" xmlns:m="http://schemas.openxmlformats.org/officeDocument/2006/math" xmlns:a14="http://schemas.microsoft.com/office/drawing/2010/main" xmlns:ma14="http://schemas.microsoft.com/office/mac/drawingml/2011/main" val="1"/>
+                <ma14:wrappingTextBoxFlag xmlns:ma14="http://schemas.microsoft.com/office/mac/drawingml/2011/main" xmlns:a14="http://schemas.microsoft.com/office/drawing/2010/main" xmlns:m="http://schemas.openxmlformats.org/officeDocument/2006/math" xmlns="" val="1"/>
               </a:ext>
             </a:extLst>
           </p:spPr>
@@ -9644,7 +9640,7 @@
           </a:ln>
           <a:extLst>
             <a:ext uri="{C572A759-6A51-4108-AA02-DFA0A04FC94B}">
-              <ma14:wrappingTextBoxFlag xmlns="" xmlns:m="http://schemas.openxmlformats.org/officeDocument/2006/math" xmlns:a14="http://schemas.microsoft.com/office/drawing/2010/main" xmlns:ma14="http://schemas.microsoft.com/office/mac/drawingml/2011/main" val="1"/>
+              <ma14:wrappingTextBoxFlag xmlns:ma14="http://schemas.microsoft.com/office/mac/drawingml/2011/main" xmlns:a14="http://schemas.microsoft.com/office/drawing/2010/main" xmlns:m="http://schemas.openxmlformats.org/officeDocument/2006/math" xmlns="" val="1"/>
             </a:ext>
           </a:extLst>
         </p:spPr>
@@ -9845,7 +9841,7 @@
           </a:ln>
           <a:extLst>
             <a:ext uri="{C572A759-6A51-4108-AA02-DFA0A04FC94B}">
-              <ma14:wrappingTextBoxFlag xmlns="" xmlns:m="http://schemas.openxmlformats.org/officeDocument/2006/math" xmlns:a14="http://schemas.microsoft.com/office/drawing/2010/main" xmlns:ma14="http://schemas.microsoft.com/office/mac/drawingml/2011/main" val="1"/>
+              <ma14:wrappingTextBoxFlag xmlns:ma14="http://schemas.microsoft.com/office/mac/drawingml/2011/main" xmlns:a14="http://schemas.microsoft.com/office/drawing/2010/main" xmlns:m="http://schemas.openxmlformats.org/officeDocument/2006/math" xmlns="" val="1"/>
             </a:ext>
           </a:extLst>
         </p:spPr>
@@ -9947,7 +9943,7 @@
           </a:ln>
           <a:extLst>
             <a:ext uri="{C572A759-6A51-4108-AA02-DFA0A04FC94B}">
-              <ma14:wrappingTextBoxFlag xmlns="" xmlns:m="http://schemas.openxmlformats.org/officeDocument/2006/math" xmlns:a14="http://schemas.microsoft.com/office/drawing/2010/main" xmlns:ma14="http://schemas.microsoft.com/office/mac/drawingml/2011/main" val="1"/>
+              <ma14:wrappingTextBoxFlag xmlns:ma14="http://schemas.microsoft.com/office/mac/drawingml/2011/main" xmlns:a14="http://schemas.microsoft.com/office/drawing/2010/main" xmlns:m="http://schemas.openxmlformats.org/officeDocument/2006/math" xmlns="" val="1"/>
             </a:ext>
           </a:extLst>
         </p:spPr>
@@ -10756,7 +10752,7 @@
           </a:ln>
           <a:extLst>
             <a:ext uri="{C572A759-6A51-4108-AA02-DFA0A04FC94B}">
-              <ma14:wrappingTextBoxFlag xmlns="" xmlns:m="http://schemas.openxmlformats.org/officeDocument/2006/math" xmlns:a14="http://schemas.microsoft.com/office/drawing/2010/main" xmlns:ma14="http://schemas.microsoft.com/office/mac/drawingml/2011/main" val="1"/>
+              <ma14:wrappingTextBoxFlag xmlns:ma14="http://schemas.microsoft.com/office/mac/drawingml/2011/main" xmlns:a14="http://schemas.microsoft.com/office/drawing/2010/main" xmlns:m="http://schemas.openxmlformats.org/officeDocument/2006/math" xmlns="" val="1"/>
             </a:ext>
           </a:extLst>
         </p:spPr>
@@ -10906,7 +10902,7 @@
           </a:ln>
           <a:extLst>
             <a:ext uri="{C572A759-6A51-4108-AA02-DFA0A04FC94B}">
-              <ma14:wrappingTextBoxFlag xmlns="" xmlns:m="http://schemas.openxmlformats.org/officeDocument/2006/math" xmlns:a14="http://schemas.microsoft.com/office/drawing/2010/main" xmlns:ma14="http://schemas.microsoft.com/office/mac/drawingml/2011/main" val="1"/>
+              <ma14:wrappingTextBoxFlag xmlns:ma14="http://schemas.microsoft.com/office/mac/drawingml/2011/main" xmlns:a14="http://schemas.microsoft.com/office/drawing/2010/main" xmlns:m="http://schemas.openxmlformats.org/officeDocument/2006/math" xmlns="" val="1"/>
             </a:ext>
           </a:extLst>
         </p:spPr>
@@ -11007,7 +11003,7 @@
           </a:ln>
           <a:extLst>
             <a:ext uri="{C572A759-6A51-4108-AA02-DFA0A04FC94B}">
-              <ma14:wrappingTextBoxFlag xmlns="" xmlns:m="http://schemas.openxmlformats.org/officeDocument/2006/math" xmlns:a14="http://schemas.microsoft.com/office/drawing/2010/main" xmlns:ma14="http://schemas.microsoft.com/office/mac/drawingml/2011/main" val="1"/>
+              <ma14:wrappingTextBoxFlag xmlns:ma14="http://schemas.microsoft.com/office/mac/drawingml/2011/main" xmlns:a14="http://schemas.microsoft.com/office/drawing/2010/main" xmlns:m="http://schemas.openxmlformats.org/officeDocument/2006/math" xmlns="" val="1"/>
             </a:ext>
           </a:extLst>
         </p:spPr>
@@ -11117,7 +11113,7 @@
           </a:ln>
           <a:extLst>
             <a:ext uri="{C572A759-6A51-4108-AA02-DFA0A04FC94B}">
-              <ma14:wrappingTextBoxFlag xmlns="" xmlns:m="http://schemas.openxmlformats.org/officeDocument/2006/math" xmlns:a14="http://schemas.microsoft.com/office/drawing/2010/main" xmlns:ma14="http://schemas.microsoft.com/office/mac/drawingml/2011/main" val="1"/>
+              <ma14:wrappingTextBoxFlag xmlns:ma14="http://schemas.microsoft.com/office/mac/drawingml/2011/main" xmlns:a14="http://schemas.microsoft.com/office/drawing/2010/main" xmlns:m="http://schemas.openxmlformats.org/officeDocument/2006/math" xmlns="" val="1"/>
             </a:ext>
           </a:extLst>
         </p:spPr>
@@ -11170,7 +11166,7 @@
           </a:ln>
           <a:extLst>
             <a:ext uri="{C572A759-6A51-4108-AA02-DFA0A04FC94B}">
-              <ma14:wrappingTextBoxFlag xmlns="" xmlns:m="http://schemas.openxmlformats.org/officeDocument/2006/math" xmlns:a14="http://schemas.microsoft.com/office/drawing/2010/main" xmlns:ma14="http://schemas.microsoft.com/office/mac/drawingml/2011/main" val="1"/>
+              <ma14:wrappingTextBoxFlag xmlns:ma14="http://schemas.microsoft.com/office/mac/drawingml/2011/main" xmlns:a14="http://schemas.microsoft.com/office/drawing/2010/main" xmlns:m="http://schemas.openxmlformats.org/officeDocument/2006/math" xmlns="" val="1"/>
             </a:ext>
           </a:extLst>
         </p:spPr>
@@ -11222,7 +11218,7 @@
           </a:ln>
           <a:extLst>
             <a:ext uri="{C572A759-6A51-4108-AA02-DFA0A04FC94B}">
-              <ma14:wrappingTextBoxFlag xmlns="" xmlns:m="http://schemas.openxmlformats.org/officeDocument/2006/math" xmlns:a14="http://schemas.microsoft.com/office/drawing/2010/main" xmlns:ma14="http://schemas.microsoft.com/office/mac/drawingml/2011/main" val="1"/>
+              <ma14:wrappingTextBoxFlag xmlns:ma14="http://schemas.microsoft.com/office/mac/drawingml/2011/main" xmlns:a14="http://schemas.microsoft.com/office/drawing/2010/main" xmlns:m="http://schemas.openxmlformats.org/officeDocument/2006/math" xmlns="" val="1"/>
             </a:ext>
           </a:extLst>
         </p:spPr>
@@ -11871,7 +11867,7 @@
           </a:ln>
           <a:extLst>
             <a:ext uri="{C572A759-6A51-4108-AA02-DFA0A04FC94B}">
-              <ma14:wrappingTextBoxFlag xmlns="" xmlns:m="http://schemas.openxmlformats.org/officeDocument/2006/math" xmlns:a14="http://schemas.microsoft.com/office/drawing/2010/main" xmlns:ma14="http://schemas.microsoft.com/office/mac/drawingml/2011/main" val="1"/>
+              <ma14:wrappingTextBoxFlag xmlns:ma14="http://schemas.microsoft.com/office/mac/drawingml/2011/main" xmlns:a14="http://schemas.microsoft.com/office/drawing/2010/main" xmlns:m="http://schemas.openxmlformats.org/officeDocument/2006/math" xmlns="" val="1"/>
             </a:ext>
           </a:extLst>
         </p:spPr>
@@ -11975,7 +11971,7 @@
           </a:ln>
           <a:extLst>
             <a:ext uri="{C572A759-6A51-4108-AA02-DFA0A04FC94B}">
-              <ma14:wrappingTextBoxFlag xmlns="" xmlns:m="http://schemas.openxmlformats.org/officeDocument/2006/math" xmlns:a14="http://schemas.microsoft.com/office/drawing/2010/main" xmlns:ma14="http://schemas.microsoft.com/office/mac/drawingml/2011/main" val="1"/>
+              <ma14:wrappingTextBoxFlag xmlns:ma14="http://schemas.microsoft.com/office/mac/drawingml/2011/main" xmlns:a14="http://schemas.microsoft.com/office/drawing/2010/main" xmlns:m="http://schemas.openxmlformats.org/officeDocument/2006/math" xmlns="" val="1"/>
             </a:ext>
           </a:extLst>
         </p:spPr>
@@ -12025,7 +12021,7 @@
           </a:ln>
           <a:extLst>
             <a:ext uri="{C572A759-6A51-4108-AA02-DFA0A04FC94B}">
-              <ma14:wrappingTextBoxFlag xmlns="" xmlns:m="http://schemas.openxmlformats.org/officeDocument/2006/math" xmlns:a14="http://schemas.microsoft.com/office/drawing/2010/main" xmlns:ma14="http://schemas.microsoft.com/office/mac/drawingml/2011/main" val="1"/>
+              <ma14:wrappingTextBoxFlag xmlns:ma14="http://schemas.microsoft.com/office/mac/drawingml/2011/main" xmlns:a14="http://schemas.microsoft.com/office/drawing/2010/main" xmlns:m="http://schemas.openxmlformats.org/officeDocument/2006/math" xmlns="" val="1"/>
             </a:ext>
           </a:extLst>
         </p:spPr>
@@ -12138,7 +12134,7 @@
             <a:effectLst/>
             <a:extLst>
               <a:ext uri="{C572A759-6A51-4108-AA02-DFA0A04FC94B}">
-                <ma14:wrappingTextBoxFlag xmlns="" xmlns:m="http://schemas.openxmlformats.org/officeDocument/2006/math" xmlns:a14="http://schemas.microsoft.com/office/drawing/2010/main" xmlns:ma14="http://schemas.microsoft.com/office/mac/drawingml/2011/main" val="1"/>
+                <ma14:wrappingTextBoxFlag xmlns:ma14="http://schemas.microsoft.com/office/mac/drawingml/2011/main" xmlns:a14="http://schemas.microsoft.com/office/drawing/2010/main" xmlns:m="http://schemas.openxmlformats.org/officeDocument/2006/math" xmlns="" val="1"/>
               </a:ext>
             </a:extLst>
           </p:spPr>
@@ -14239,7 +14235,7 @@
             <a:effectLst/>
             <a:extLst>
               <a:ext uri="{C572A759-6A51-4108-AA02-DFA0A04FC94B}">
-                <ma14:wrappingTextBoxFlag xmlns="" xmlns:m="http://schemas.openxmlformats.org/officeDocument/2006/math" xmlns:a14="http://schemas.microsoft.com/office/drawing/2010/main" xmlns:ma14="http://schemas.microsoft.com/office/mac/drawingml/2011/main" val="1"/>
+                <ma14:wrappingTextBoxFlag xmlns:ma14="http://schemas.microsoft.com/office/mac/drawingml/2011/main" xmlns:a14="http://schemas.microsoft.com/office/drawing/2010/main" xmlns:m="http://schemas.openxmlformats.org/officeDocument/2006/math" xmlns="" val="1"/>
               </a:ext>
             </a:extLst>
           </p:spPr>
@@ -15803,7 +15799,7 @@
           </a:ln>
           <a:extLst>
             <a:ext uri="{C572A759-6A51-4108-AA02-DFA0A04FC94B}">
-              <ma14:wrappingTextBoxFlag xmlns="" xmlns:m="http://schemas.openxmlformats.org/officeDocument/2006/math" xmlns:a14="http://schemas.microsoft.com/office/drawing/2010/main" xmlns:ma14="http://schemas.microsoft.com/office/mac/drawingml/2011/main" val="1"/>
+              <ma14:wrappingTextBoxFlag xmlns:ma14="http://schemas.microsoft.com/office/mac/drawingml/2011/main" xmlns:a14="http://schemas.microsoft.com/office/drawing/2010/main" xmlns:m="http://schemas.openxmlformats.org/officeDocument/2006/math" xmlns="" val="1"/>
             </a:ext>
           </a:extLst>
         </p:spPr>
@@ -16820,7 +16816,7 @@
             <a:effectLst/>
             <a:extLst>
               <a:ext uri="{C572A759-6A51-4108-AA02-DFA0A04FC94B}">
-                <ma14:wrappingTextBoxFlag xmlns="" xmlns:m="http://schemas.openxmlformats.org/officeDocument/2006/math" xmlns:a14="http://schemas.microsoft.com/office/drawing/2010/main" xmlns:ma14="http://schemas.microsoft.com/office/mac/drawingml/2011/main" val="1"/>
+                <ma14:wrappingTextBoxFlag xmlns:ma14="http://schemas.microsoft.com/office/mac/drawingml/2011/main" xmlns:a14="http://schemas.microsoft.com/office/drawing/2010/main" xmlns:m="http://schemas.openxmlformats.org/officeDocument/2006/math" xmlns="" val="1"/>
               </a:ext>
             </a:extLst>
           </p:spPr>
@@ -18503,7 +18499,7 @@
           </a:ln>
           <a:extLst>
             <a:ext uri="{C572A759-6A51-4108-AA02-DFA0A04FC94B}">
-              <ma14:wrappingTextBoxFlag xmlns="" xmlns:m="http://schemas.openxmlformats.org/officeDocument/2006/math" xmlns:a14="http://schemas.microsoft.com/office/drawing/2010/main" xmlns:ma14="http://schemas.microsoft.com/office/mac/drawingml/2011/main" val="1"/>
+              <ma14:wrappingTextBoxFlag xmlns:ma14="http://schemas.microsoft.com/office/mac/drawingml/2011/main" xmlns:a14="http://schemas.microsoft.com/office/drawing/2010/main" xmlns:m="http://schemas.openxmlformats.org/officeDocument/2006/math" xmlns="" val="1"/>
             </a:ext>
           </a:extLst>
         </p:spPr>
@@ -23308,7 +23304,7 @@
           </a:ln>
           <a:extLst>
             <a:ext uri="{C572A759-6A51-4108-AA02-DFA0A04FC94B}">
-              <ma14:wrappingTextBoxFlag xmlns="" xmlns:m="http://schemas.openxmlformats.org/officeDocument/2006/math" xmlns:a14="http://schemas.microsoft.com/office/drawing/2010/main" xmlns:ma14="http://schemas.microsoft.com/office/mac/drawingml/2011/main" val="1"/>
+              <ma14:wrappingTextBoxFlag xmlns:ma14="http://schemas.microsoft.com/office/mac/drawingml/2011/main" xmlns:a14="http://schemas.microsoft.com/office/drawing/2010/main" xmlns:m="http://schemas.openxmlformats.org/officeDocument/2006/math" xmlns="" val="1"/>
             </a:ext>
           </a:extLst>
         </p:spPr>
@@ -23580,7 +23576,7 @@
           </a:ln>
           <a:extLst>
             <a:ext uri="{C572A759-6A51-4108-AA02-DFA0A04FC94B}">
-              <ma14:wrappingTextBoxFlag xmlns="" xmlns:m="http://schemas.openxmlformats.org/officeDocument/2006/math" xmlns:a14="http://schemas.microsoft.com/office/drawing/2010/main" xmlns:ma14="http://schemas.microsoft.com/office/mac/drawingml/2011/main" val="1"/>
+              <ma14:wrappingTextBoxFlag xmlns:ma14="http://schemas.microsoft.com/office/mac/drawingml/2011/main" xmlns:a14="http://schemas.microsoft.com/office/drawing/2010/main" xmlns:m="http://schemas.openxmlformats.org/officeDocument/2006/math" xmlns="" val="1"/>
             </a:ext>
           </a:extLst>
         </p:spPr>
@@ -23754,7 +23750,7 @@
           </a:ln>
           <a:extLst>
             <a:ext uri="{C572A759-6A51-4108-AA02-DFA0A04FC94B}">
-              <ma14:wrappingTextBoxFlag xmlns="" xmlns:m="http://schemas.openxmlformats.org/officeDocument/2006/math" xmlns:a14="http://schemas.microsoft.com/office/drawing/2010/main" xmlns:ma14="http://schemas.microsoft.com/office/mac/drawingml/2011/main" val="1"/>
+              <ma14:wrappingTextBoxFlag xmlns:ma14="http://schemas.microsoft.com/office/mac/drawingml/2011/main" xmlns:a14="http://schemas.microsoft.com/office/drawing/2010/main" xmlns:m="http://schemas.openxmlformats.org/officeDocument/2006/math" xmlns="" val="1"/>
             </a:ext>
           </a:extLst>
         </p:spPr>
@@ -24035,7 +24031,7 @@
           </a:ln>
           <a:extLst>
             <a:ext uri="{C572A759-6A51-4108-AA02-DFA0A04FC94B}">
-              <ma14:wrappingTextBoxFlag xmlns="" xmlns:m="http://schemas.openxmlformats.org/officeDocument/2006/math" xmlns:a14="http://schemas.microsoft.com/office/drawing/2010/main" xmlns:ma14="http://schemas.microsoft.com/office/mac/drawingml/2011/main" val="1"/>
+              <ma14:wrappingTextBoxFlag xmlns:ma14="http://schemas.microsoft.com/office/mac/drawingml/2011/main" xmlns:a14="http://schemas.microsoft.com/office/drawing/2010/main" xmlns:m="http://schemas.openxmlformats.org/officeDocument/2006/math" xmlns="" val="1"/>
             </a:ext>
           </a:extLst>
         </p:spPr>
@@ -24087,7 +24083,7 @@
           </a:ln>
           <a:extLst>
             <a:ext uri="{C572A759-6A51-4108-AA02-DFA0A04FC94B}">
-              <ma14:wrappingTextBoxFlag xmlns="" xmlns:m="http://schemas.openxmlformats.org/officeDocument/2006/math" xmlns:a14="http://schemas.microsoft.com/office/drawing/2010/main" xmlns:ma14="http://schemas.microsoft.com/office/mac/drawingml/2011/main" val="1"/>
+              <ma14:wrappingTextBoxFlag xmlns:ma14="http://schemas.microsoft.com/office/mac/drawingml/2011/main" xmlns:a14="http://schemas.microsoft.com/office/drawing/2010/main" xmlns:m="http://schemas.openxmlformats.org/officeDocument/2006/math" xmlns="" val="1"/>
             </a:ext>
           </a:extLst>
         </p:spPr>
@@ -24140,7 +24136,7 @@
             <a:effectLst/>
             <a:extLst>
               <a:ext uri="{C572A759-6A51-4108-AA02-DFA0A04FC94B}">
-                <ma14:wrappingTextBoxFlag xmlns="" xmlns:m="http://schemas.openxmlformats.org/officeDocument/2006/math" xmlns:a14="http://schemas.microsoft.com/office/drawing/2010/main" xmlns:ma14="http://schemas.microsoft.com/office/mac/drawingml/2011/main" val="1"/>
+                <ma14:wrappingTextBoxFlag xmlns:ma14="http://schemas.microsoft.com/office/mac/drawingml/2011/main" xmlns:a14="http://schemas.microsoft.com/office/drawing/2010/main" xmlns:m="http://schemas.openxmlformats.org/officeDocument/2006/math" xmlns="" val="1"/>
               </a:ext>
             </a:extLst>
           </p:spPr>
@@ -24193,7 +24189,7 @@
             <a:effectLst/>
             <a:extLst>
               <a:ext uri="{C572A759-6A51-4108-AA02-DFA0A04FC94B}">
-                <ma14:wrappingTextBoxFlag xmlns="" xmlns:m="http://schemas.openxmlformats.org/officeDocument/2006/math" xmlns:a14="http://schemas.microsoft.com/office/drawing/2010/main" xmlns:ma14="http://schemas.microsoft.com/office/mac/drawingml/2011/main" val="1"/>
+                <ma14:wrappingTextBoxFlag xmlns:ma14="http://schemas.microsoft.com/office/mac/drawingml/2011/main" xmlns:a14="http://schemas.microsoft.com/office/drawing/2010/main" xmlns:m="http://schemas.openxmlformats.org/officeDocument/2006/math" xmlns="" val="1"/>
               </a:ext>
             </a:extLst>
           </p:spPr>
@@ -29384,7 +29380,7 @@
           </a:ln>
           <a:extLst>
             <a:ext uri="{C572A759-6A51-4108-AA02-DFA0A04FC94B}">
-              <ma14:wrappingTextBoxFlag xmlns="" xmlns:m="http://schemas.openxmlformats.org/officeDocument/2006/math" xmlns:a14="http://schemas.microsoft.com/office/drawing/2010/main" xmlns:ma14="http://schemas.microsoft.com/office/mac/drawingml/2011/main" val="1"/>
+              <ma14:wrappingTextBoxFlag xmlns:ma14="http://schemas.microsoft.com/office/mac/drawingml/2011/main" xmlns:a14="http://schemas.microsoft.com/office/drawing/2010/main" xmlns:m="http://schemas.openxmlformats.org/officeDocument/2006/math" xmlns="" val="1"/>
             </a:ext>
           </a:extLst>
         </p:spPr>
@@ -29445,7 +29441,7 @@
           </a:ln>
           <a:extLst>
             <a:ext uri="{C572A759-6A51-4108-AA02-DFA0A04FC94B}">
-              <ma14:wrappingTextBoxFlag xmlns="" xmlns:m="http://schemas.openxmlformats.org/officeDocument/2006/math" xmlns:a14="http://schemas.microsoft.com/office/drawing/2010/main" xmlns:ma14="http://schemas.microsoft.com/office/mac/drawingml/2011/main" val="1"/>
+              <ma14:wrappingTextBoxFlag xmlns:ma14="http://schemas.microsoft.com/office/mac/drawingml/2011/main" xmlns:a14="http://schemas.microsoft.com/office/drawing/2010/main" xmlns:m="http://schemas.openxmlformats.org/officeDocument/2006/math" xmlns="" val="1"/>
             </a:ext>
           </a:extLst>
         </p:spPr>
@@ -29481,7 +29477,7 @@
           </a:ln>
           <a:extLst>
             <a:ext uri="{C572A759-6A51-4108-AA02-DFA0A04FC94B}">
-              <ma14:wrappingTextBoxFlag xmlns="" xmlns:m="http://schemas.openxmlformats.org/officeDocument/2006/math" xmlns:a14="http://schemas.microsoft.com/office/drawing/2010/main" xmlns:ma14="http://schemas.microsoft.com/office/mac/drawingml/2011/main" val="1"/>
+              <ma14:wrappingTextBoxFlag xmlns:ma14="http://schemas.microsoft.com/office/mac/drawingml/2011/main" xmlns:a14="http://schemas.microsoft.com/office/drawing/2010/main" xmlns:m="http://schemas.openxmlformats.org/officeDocument/2006/math" xmlns="" val="1"/>
             </a:ext>
           </a:extLst>
         </p:spPr>
@@ -29971,7 +29967,7 @@
           </a:ln>
           <a:extLst>
             <a:ext uri="{C572A759-6A51-4108-AA02-DFA0A04FC94B}">
-              <ma14:wrappingTextBoxFlag xmlns="" xmlns:m="http://schemas.openxmlformats.org/officeDocument/2006/math" xmlns:a14="http://schemas.microsoft.com/office/drawing/2010/main" xmlns:ma14="http://schemas.microsoft.com/office/mac/drawingml/2011/main" val="1"/>
+              <ma14:wrappingTextBoxFlag xmlns:ma14="http://schemas.microsoft.com/office/mac/drawingml/2011/main" xmlns:a14="http://schemas.microsoft.com/office/drawing/2010/main" xmlns:m="http://schemas.openxmlformats.org/officeDocument/2006/math" xmlns="" val="1"/>
             </a:ext>
           </a:extLst>
         </p:spPr>
@@ -30055,7 +30051,7 @@
           </a:ln>
           <a:extLst>
             <a:ext uri="{C572A759-6A51-4108-AA02-DFA0A04FC94B}">
-              <ma14:wrappingTextBoxFlag xmlns="" xmlns:m="http://schemas.openxmlformats.org/officeDocument/2006/math" xmlns:a14="http://schemas.microsoft.com/office/drawing/2010/main" xmlns:ma14="http://schemas.microsoft.com/office/mac/drawingml/2011/main" val="1"/>
+              <ma14:wrappingTextBoxFlag xmlns:ma14="http://schemas.microsoft.com/office/mac/drawingml/2011/main" xmlns:a14="http://schemas.microsoft.com/office/drawing/2010/main" xmlns:m="http://schemas.openxmlformats.org/officeDocument/2006/math" xmlns="" val="1"/>
             </a:ext>
           </a:extLst>
         </p:spPr>
@@ -30139,7 +30135,7 @@
           </a:ln>
           <a:extLst>
             <a:ext uri="{C572A759-6A51-4108-AA02-DFA0A04FC94B}">
-              <ma14:wrappingTextBoxFlag xmlns="" xmlns:m="http://schemas.openxmlformats.org/officeDocument/2006/math" xmlns:a14="http://schemas.microsoft.com/office/drawing/2010/main" xmlns:ma14="http://schemas.microsoft.com/office/mac/drawingml/2011/main" val="1"/>
+              <ma14:wrappingTextBoxFlag xmlns:ma14="http://schemas.microsoft.com/office/mac/drawingml/2011/main" xmlns:a14="http://schemas.microsoft.com/office/drawing/2010/main" xmlns:m="http://schemas.openxmlformats.org/officeDocument/2006/math" xmlns="" val="1"/>
             </a:ext>
           </a:extLst>
         </p:spPr>
@@ -30199,7 +30195,7 @@
           </a:ln>
           <a:extLst>
             <a:ext uri="{C572A759-6A51-4108-AA02-DFA0A04FC94B}">
-              <ma14:wrappingTextBoxFlag xmlns="" xmlns:m="http://schemas.openxmlformats.org/officeDocument/2006/math" xmlns:a14="http://schemas.microsoft.com/office/drawing/2010/main" xmlns:ma14="http://schemas.microsoft.com/office/mac/drawingml/2011/main" val="1"/>
+              <ma14:wrappingTextBoxFlag xmlns:ma14="http://schemas.microsoft.com/office/mac/drawingml/2011/main" xmlns:a14="http://schemas.microsoft.com/office/drawing/2010/main" xmlns:m="http://schemas.openxmlformats.org/officeDocument/2006/math" xmlns="" val="1"/>
             </a:ext>
           </a:extLst>
         </p:spPr>
@@ -30260,7 +30256,7 @@
           </a:ln>
           <a:extLst>
             <a:ext uri="{C572A759-6A51-4108-AA02-DFA0A04FC94B}">
-              <ma14:wrappingTextBoxFlag xmlns="" xmlns:m="http://schemas.openxmlformats.org/officeDocument/2006/math" xmlns:a14="http://schemas.microsoft.com/office/drawing/2010/main" xmlns:ma14="http://schemas.microsoft.com/office/mac/drawingml/2011/main" val="1"/>
+              <ma14:wrappingTextBoxFlag xmlns:ma14="http://schemas.microsoft.com/office/mac/drawingml/2011/main" xmlns:a14="http://schemas.microsoft.com/office/drawing/2010/main" xmlns:m="http://schemas.openxmlformats.org/officeDocument/2006/math" xmlns="" val="1"/>
             </a:ext>
           </a:extLst>
         </p:spPr>
@@ -30321,7 +30317,7 @@
           </a:ln>
           <a:extLst>
             <a:ext uri="{C572A759-6A51-4108-AA02-DFA0A04FC94B}">
-              <ma14:wrappingTextBoxFlag xmlns="" xmlns:m="http://schemas.openxmlformats.org/officeDocument/2006/math" xmlns:a14="http://schemas.microsoft.com/office/drawing/2010/main" xmlns:ma14="http://schemas.microsoft.com/office/mac/drawingml/2011/main" val="1"/>
+              <ma14:wrappingTextBoxFlag xmlns:ma14="http://schemas.microsoft.com/office/mac/drawingml/2011/main" xmlns:a14="http://schemas.microsoft.com/office/drawing/2010/main" xmlns:m="http://schemas.openxmlformats.org/officeDocument/2006/math" xmlns="" val="1"/>
             </a:ext>
           </a:extLst>
         </p:spPr>
@@ -30394,7 +30390,7 @@
           </a:ln>
           <a:extLst>
             <a:ext uri="{C572A759-6A51-4108-AA02-DFA0A04FC94B}">
-              <ma14:wrappingTextBoxFlag xmlns="" xmlns:m="http://schemas.openxmlformats.org/officeDocument/2006/math" xmlns:a14="http://schemas.microsoft.com/office/drawing/2010/main" xmlns:ma14="http://schemas.microsoft.com/office/mac/drawingml/2011/main" val="1"/>
+              <ma14:wrappingTextBoxFlag xmlns:ma14="http://schemas.microsoft.com/office/mac/drawingml/2011/main" xmlns:a14="http://schemas.microsoft.com/office/drawing/2010/main" xmlns:m="http://schemas.openxmlformats.org/officeDocument/2006/math" xmlns="" val="1"/>
             </a:ext>
           </a:extLst>
         </p:spPr>
@@ -30742,7 +30738,7 @@
               <a:effectLst/>
               <a:extLst>
                 <a:ext uri="{C572A759-6A51-4108-AA02-DFA0A04FC94B}">
-                  <ma14:wrappingTextBoxFlag xmlns="" xmlns:m="http://schemas.openxmlformats.org/officeDocument/2006/math" xmlns:a14="http://schemas.microsoft.com/office/drawing/2010/main" xmlns:ma14="http://schemas.microsoft.com/office/mac/drawingml/2011/main" val="1"/>
+                  <ma14:wrappingTextBoxFlag xmlns:ma14="http://schemas.microsoft.com/office/mac/drawingml/2011/main" xmlns:a14="http://schemas.microsoft.com/office/drawing/2010/main" xmlns:m="http://schemas.openxmlformats.org/officeDocument/2006/math" xmlns="" val="1"/>
                 </a:ext>
               </a:extLst>
             </p:spPr>
@@ -31788,7 +31784,7 @@
           </a:ln>
           <a:extLst>
             <a:ext uri="{C572A759-6A51-4108-AA02-DFA0A04FC94B}">
-              <ma14:wrappingTextBoxFlag xmlns="" xmlns:m="http://schemas.openxmlformats.org/officeDocument/2006/math" xmlns:a14="http://schemas.microsoft.com/office/drawing/2010/main" xmlns:ma14="http://schemas.microsoft.com/office/mac/drawingml/2011/main" val="1"/>
+              <ma14:wrappingTextBoxFlag xmlns:ma14="http://schemas.microsoft.com/office/mac/drawingml/2011/main" xmlns:a14="http://schemas.microsoft.com/office/drawing/2010/main" xmlns:m="http://schemas.openxmlformats.org/officeDocument/2006/math" xmlns="" val="1"/>
             </a:ext>
           </a:extLst>
         </p:spPr>
@@ -31838,7 +31834,7 @@
           </a:ln>
           <a:extLst>
             <a:ext uri="{C572A759-6A51-4108-AA02-DFA0A04FC94B}">
-              <ma14:wrappingTextBoxFlag xmlns="" xmlns:m="http://schemas.openxmlformats.org/officeDocument/2006/math" xmlns:a14="http://schemas.microsoft.com/office/drawing/2010/main" xmlns:ma14="http://schemas.microsoft.com/office/mac/drawingml/2011/main" val="1"/>
+              <ma14:wrappingTextBoxFlag xmlns:ma14="http://schemas.microsoft.com/office/mac/drawingml/2011/main" xmlns:a14="http://schemas.microsoft.com/office/drawing/2010/main" xmlns:m="http://schemas.openxmlformats.org/officeDocument/2006/math" xmlns="" val="1"/>
             </a:ext>
           </a:extLst>
         </p:spPr>
@@ -31874,7 +31870,7 @@
           </a:ln>
           <a:extLst>
             <a:ext uri="{C572A759-6A51-4108-AA02-DFA0A04FC94B}">
-              <ma14:wrappingTextBoxFlag xmlns="" xmlns:m="http://schemas.openxmlformats.org/officeDocument/2006/math" xmlns:a14="http://schemas.microsoft.com/office/drawing/2010/main" xmlns:ma14="http://schemas.microsoft.com/office/mac/drawingml/2011/main" val="1"/>
+              <ma14:wrappingTextBoxFlag xmlns:ma14="http://schemas.microsoft.com/office/mac/drawingml/2011/main" xmlns:a14="http://schemas.microsoft.com/office/drawing/2010/main" xmlns:m="http://schemas.openxmlformats.org/officeDocument/2006/math" xmlns="" val="1"/>
             </a:ext>
           </a:extLst>
         </p:spPr>
@@ -32080,7 +32076,7 @@
           </a:ln>
           <a:extLst>
             <a:ext uri="{C572A759-6A51-4108-AA02-DFA0A04FC94B}">
-              <ma14:wrappingTextBoxFlag xmlns="" xmlns:m="http://schemas.openxmlformats.org/officeDocument/2006/math" xmlns:a14="http://schemas.microsoft.com/office/drawing/2010/main" xmlns:ma14="http://schemas.microsoft.com/office/mac/drawingml/2011/main" val="1"/>
+              <ma14:wrappingTextBoxFlag xmlns:ma14="http://schemas.microsoft.com/office/mac/drawingml/2011/main" xmlns:a14="http://schemas.microsoft.com/office/drawing/2010/main" xmlns:m="http://schemas.openxmlformats.org/officeDocument/2006/math" xmlns="" val="1"/>
             </a:ext>
           </a:extLst>
         </p:spPr>
@@ -32116,7 +32112,7 @@
           </a:ln>
           <a:extLst>
             <a:ext uri="{C572A759-6A51-4108-AA02-DFA0A04FC94B}">
-              <ma14:wrappingTextBoxFlag xmlns="" xmlns:m="http://schemas.openxmlformats.org/officeDocument/2006/math" xmlns:a14="http://schemas.microsoft.com/office/drawing/2010/main" xmlns:ma14="http://schemas.microsoft.com/office/mac/drawingml/2011/main" val="1"/>
+              <ma14:wrappingTextBoxFlag xmlns:ma14="http://schemas.microsoft.com/office/mac/drawingml/2011/main" xmlns:a14="http://schemas.microsoft.com/office/drawing/2010/main" xmlns:m="http://schemas.openxmlformats.org/officeDocument/2006/math" xmlns="" val="1"/>
             </a:ext>
           </a:extLst>
         </p:spPr>
@@ -32393,7 +32389,7 @@
           </a:ln>
           <a:extLst>
             <a:ext uri="{C572A759-6A51-4108-AA02-DFA0A04FC94B}">
-              <ma14:wrappingTextBoxFlag xmlns="" xmlns:m="http://schemas.openxmlformats.org/officeDocument/2006/math" xmlns:a14="http://schemas.microsoft.com/office/drawing/2010/main" xmlns:ma14="http://schemas.microsoft.com/office/mac/drawingml/2011/main" val="1"/>
+              <ma14:wrappingTextBoxFlag xmlns:ma14="http://schemas.microsoft.com/office/mac/drawingml/2011/main" xmlns:a14="http://schemas.microsoft.com/office/drawing/2010/main" xmlns:m="http://schemas.openxmlformats.org/officeDocument/2006/math" xmlns="" val="1"/>
             </a:ext>
           </a:extLst>
         </p:spPr>
@@ -32443,7 +32439,7 @@
           </a:ln>
           <a:extLst>
             <a:ext uri="{C572A759-6A51-4108-AA02-DFA0A04FC94B}">
-              <ma14:wrappingTextBoxFlag xmlns="" xmlns:m="http://schemas.openxmlformats.org/officeDocument/2006/math" xmlns:a14="http://schemas.microsoft.com/office/drawing/2010/main" xmlns:ma14="http://schemas.microsoft.com/office/mac/drawingml/2011/main" val="1"/>
+              <ma14:wrappingTextBoxFlag xmlns:ma14="http://schemas.microsoft.com/office/mac/drawingml/2011/main" xmlns:a14="http://schemas.microsoft.com/office/drawing/2010/main" xmlns:m="http://schemas.openxmlformats.org/officeDocument/2006/math" xmlns="" val="1"/>
             </a:ext>
           </a:extLst>
         </p:spPr>
@@ -32591,7 +32587,7 @@
           </a:ln>
           <a:extLst>
             <a:ext uri="{C572A759-6A51-4108-AA02-DFA0A04FC94B}">
-              <ma14:wrappingTextBoxFlag xmlns="" xmlns:m="http://schemas.openxmlformats.org/officeDocument/2006/math" xmlns:a14="http://schemas.microsoft.com/office/drawing/2010/main" xmlns:ma14="http://schemas.microsoft.com/office/mac/drawingml/2011/main" val="1"/>
+              <ma14:wrappingTextBoxFlag xmlns:ma14="http://schemas.microsoft.com/office/mac/drawingml/2011/main" xmlns:a14="http://schemas.microsoft.com/office/drawing/2010/main" xmlns:m="http://schemas.openxmlformats.org/officeDocument/2006/math" xmlns="" val="1"/>
             </a:ext>
           </a:extLst>
         </p:spPr>
@@ -33547,7 +33543,7 @@
           </a:ln>
           <a:extLst>
             <a:ext uri="{C572A759-6A51-4108-AA02-DFA0A04FC94B}">
-              <ma14:wrappingTextBoxFlag xmlns="" xmlns:m="http://schemas.openxmlformats.org/officeDocument/2006/math" xmlns:a14="http://schemas.microsoft.com/office/drawing/2010/main" xmlns:ma14="http://schemas.microsoft.com/office/mac/drawingml/2011/main" val="1"/>
+              <ma14:wrappingTextBoxFlag xmlns:ma14="http://schemas.microsoft.com/office/mac/drawingml/2011/main" xmlns:a14="http://schemas.microsoft.com/office/drawing/2010/main" xmlns:m="http://schemas.openxmlformats.org/officeDocument/2006/math" xmlns="" val="1"/>
             </a:ext>
           </a:extLst>
         </p:spPr>
@@ -33664,7 +33660,7 @@
           </a:ln>
           <a:extLst>
             <a:ext uri="{C572A759-6A51-4108-AA02-DFA0A04FC94B}">
-              <ma14:wrappingTextBoxFlag xmlns="" xmlns:m="http://schemas.openxmlformats.org/officeDocument/2006/math" xmlns:a14="http://schemas.microsoft.com/office/drawing/2010/main" xmlns:ma14="http://schemas.microsoft.com/office/mac/drawingml/2011/main" val="1"/>
+              <ma14:wrappingTextBoxFlag xmlns:ma14="http://schemas.microsoft.com/office/mac/drawingml/2011/main" xmlns:a14="http://schemas.microsoft.com/office/drawing/2010/main" xmlns:m="http://schemas.openxmlformats.org/officeDocument/2006/math" xmlns="" val="1"/>
             </a:ext>
           </a:extLst>
         </p:spPr>
@@ -35392,7 +35388,7 @@
           </a:ln>
           <a:extLst>
             <a:ext uri="{C572A759-6A51-4108-AA02-DFA0A04FC94B}">
-              <ma14:wrappingTextBoxFlag xmlns="" xmlns:m="http://schemas.openxmlformats.org/officeDocument/2006/math" xmlns:a14="http://schemas.microsoft.com/office/drawing/2010/main" xmlns:ma14="http://schemas.microsoft.com/office/mac/drawingml/2011/main" val="1"/>
+              <ma14:wrappingTextBoxFlag xmlns:ma14="http://schemas.microsoft.com/office/mac/drawingml/2011/main" xmlns:a14="http://schemas.microsoft.com/office/drawing/2010/main" xmlns:m="http://schemas.openxmlformats.org/officeDocument/2006/math" xmlns="" val="1"/>
             </a:ext>
           </a:extLst>
         </p:spPr>
@@ -35480,7 +35476,7 @@
           </a:ln>
           <a:extLst>
             <a:ext uri="{C572A759-6A51-4108-AA02-DFA0A04FC94B}">
-              <ma14:wrappingTextBoxFlag xmlns="" xmlns:m="http://schemas.openxmlformats.org/officeDocument/2006/math" xmlns:a14="http://schemas.microsoft.com/office/drawing/2010/main" xmlns:ma14="http://schemas.microsoft.com/office/mac/drawingml/2011/main" val="1"/>
+              <ma14:wrappingTextBoxFlag xmlns:ma14="http://schemas.microsoft.com/office/mac/drawingml/2011/main" xmlns:a14="http://schemas.microsoft.com/office/drawing/2010/main" xmlns:m="http://schemas.openxmlformats.org/officeDocument/2006/math" xmlns="" val="1"/>
             </a:ext>
           </a:extLst>
         </p:spPr>
@@ -35540,7 +35536,7 @@
           </a:ln>
           <a:extLst>
             <a:ext uri="{C572A759-6A51-4108-AA02-DFA0A04FC94B}">
-              <ma14:wrappingTextBoxFlag xmlns="" xmlns:m="http://schemas.openxmlformats.org/officeDocument/2006/math" xmlns:a14="http://schemas.microsoft.com/office/drawing/2010/main" xmlns:ma14="http://schemas.microsoft.com/office/mac/drawingml/2011/main" val="1"/>
+              <ma14:wrappingTextBoxFlag xmlns:ma14="http://schemas.microsoft.com/office/mac/drawingml/2011/main" xmlns:a14="http://schemas.microsoft.com/office/drawing/2010/main" xmlns:m="http://schemas.openxmlformats.org/officeDocument/2006/math" xmlns="" val="1"/>
             </a:ext>
           </a:extLst>
         </p:spPr>
@@ -35600,7 +35596,7 @@
           </a:ln>
           <a:extLst>
             <a:ext uri="{C572A759-6A51-4108-AA02-DFA0A04FC94B}">
-              <ma14:wrappingTextBoxFlag xmlns="" xmlns:m="http://schemas.openxmlformats.org/officeDocument/2006/math" xmlns:a14="http://schemas.microsoft.com/office/drawing/2010/main" xmlns:ma14="http://schemas.microsoft.com/office/mac/drawingml/2011/main" val="1"/>
+              <ma14:wrappingTextBoxFlag xmlns:ma14="http://schemas.microsoft.com/office/mac/drawingml/2011/main" xmlns:a14="http://schemas.microsoft.com/office/drawing/2010/main" xmlns:m="http://schemas.openxmlformats.org/officeDocument/2006/math" xmlns="" val="1"/>
             </a:ext>
           </a:extLst>
         </p:spPr>
@@ -35660,7 +35656,7 @@
           </a:ln>
           <a:extLst>
             <a:ext uri="{C572A759-6A51-4108-AA02-DFA0A04FC94B}">
-              <ma14:wrappingTextBoxFlag xmlns="" xmlns:m="http://schemas.openxmlformats.org/officeDocument/2006/math" xmlns:a14="http://schemas.microsoft.com/office/drawing/2010/main" xmlns:ma14="http://schemas.microsoft.com/office/mac/drawingml/2011/main" val="1"/>
+              <ma14:wrappingTextBoxFlag xmlns:ma14="http://schemas.microsoft.com/office/mac/drawingml/2011/main" xmlns:a14="http://schemas.microsoft.com/office/drawing/2010/main" xmlns:m="http://schemas.openxmlformats.org/officeDocument/2006/math" xmlns="" val="1"/>
             </a:ext>
           </a:extLst>
         </p:spPr>
@@ -35781,7 +35777,7 @@
           </a:ln>
           <a:extLst>
             <a:ext uri="{C572A759-6A51-4108-AA02-DFA0A04FC94B}">
-              <ma14:wrappingTextBoxFlag xmlns="" xmlns:m="http://schemas.openxmlformats.org/officeDocument/2006/math" xmlns:a14="http://schemas.microsoft.com/office/drawing/2010/main" xmlns:ma14="http://schemas.microsoft.com/office/mac/drawingml/2011/main" val="1"/>
+              <ma14:wrappingTextBoxFlag xmlns:ma14="http://schemas.microsoft.com/office/mac/drawingml/2011/main" xmlns:a14="http://schemas.microsoft.com/office/drawing/2010/main" xmlns:m="http://schemas.openxmlformats.org/officeDocument/2006/math" xmlns="" val="1"/>
             </a:ext>
           </a:extLst>
         </p:spPr>
@@ -36045,7 +36041,7 @@
           </a:ln>
           <a:extLst>
             <a:ext uri="{C572A759-6A51-4108-AA02-DFA0A04FC94B}">
-              <ma14:wrappingTextBoxFlag xmlns="" xmlns:m="http://schemas.openxmlformats.org/officeDocument/2006/math" xmlns:a14="http://schemas.microsoft.com/office/drawing/2010/main" xmlns:ma14="http://schemas.microsoft.com/office/mac/drawingml/2011/main" val="1"/>
+              <ma14:wrappingTextBoxFlag xmlns:ma14="http://schemas.microsoft.com/office/mac/drawingml/2011/main" xmlns:a14="http://schemas.microsoft.com/office/drawing/2010/main" xmlns:m="http://schemas.openxmlformats.org/officeDocument/2006/math" xmlns="" val="1"/>
             </a:ext>
           </a:extLst>
         </p:spPr>
@@ -36232,7 +36228,7 @@
           </a:ln>
           <a:extLst>
             <a:ext uri="{C572A759-6A51-4108-AA02-DFA0A04FC94B}">
-              <ma14:wrappingTextBoxFlag xmlns="" xmlns:m="http://schemas.openxmlformats.org/officeDocument/2006/math" xmlns:a14="http://schemas.microsoft.com/office/drawing/2010/main" xmlns:ma14="http://schemas.microsoft.com/office/mac/drawingml/2011/main" val="1"/>
+              <ma14:wrappingTextBoxFlag xmlns:ma14="http://schemas.microsoft.com/office/mac/drawingml/2011/main" xmlns:a14="http://schemas.microsoft.com/office/drawing/2010/main" xmlns:m="http://schemas.openxmlformats.org/officeDocument/2006/math" xmlns="" val="1"/>
             </a:ext>
           </a:extLst>
         </p:spPr>
